--- a/tools-design/jnl流水和日志/操作日志设计.pptx
+++ b/tools-design/jnl流水和日志/操作日志设计.pptx
@@ -5,11 +5,13 @@
     <p:sldMasterId id="2147483648" r:id="rId1"/>
   </p:sldMasterIdLst>
   <p:notesMasterIdLst>
-    <p:notesMasterId r:id="rId4"/>
+    <p:notesMasterId r:id="rId6"/>
   </p:notesMasterIdLst>
   <p:sldIdLst>
     <p:sldId id="256" r:id="rId2"/>
     <p:sldId id="257" r:id="rId3"/>
+    <p:sldId id="258" r:id="rId4"/>
+    <p:sldId id="259" r:id="rId5"/>
   </p:sldIdLst>
   <p:sldSz cx="12192000" cy="6858000"/>
   <p:notesSz cx="6858000" cy="9144000"/>
@@ -198,7 +200,7 @@
           <a:p>
             <a:fld id="{53C6FB12-671D-644D-9B4F-7D700627C1DD}" type="datetimeFigureOut">
               <a:rPr kumimoji="1" lang="zh-CN" altLang="en-US" smtClean="0"/>
-              <a:t>17/9/4</a:t>
+              <a:t>17/9/6</a:t>
             </a:fld>
             <a:endParaRPr kumimoji="1" lang="zh-CN" altLang="en-US"/>
           </a:p>
@@ -550,6 +552,174 @@
 </p:notes>
 </file>
 
+<file path=ppt/notesSlides/notesSlide2.xml><?xml version="1.0" encoding="utf-8"?>
+<p:notes xmlns:a="http://schemas.openxmlformats.org/drawingml/2006/main" xmlns:r="http://schemas.openxmlformats.org/officeDocument/2006/relationships" xmlns:p="http://schemas.openxmlformats.org/presentationml/2006/main">
+  <p:cSld>
+    <p:spTree>
+      <p:nvGrpSpPr>
+        <p:cNvPr id="1" name=""/>
+        <p:cNvGrpSpPr/>
+        <p:nvPr/>
+      </p:nvGrpSpPr>
+      <p:grpSpPr>
+        <a:xfrm>
+          <a:off x="0" y="0"/>
+          <a:ext cx="0" cy="0"/>
+          <a:chOff x="0" y="0"/>
+          <a:chExt cx="0" cy="0"/>
+        </a:xfrm>
+      </p:grpSpPr>
+      <p:sp>
+        <p:nvSpPr>
+          <p:cNvPr id="2" name="幻灯片图像占位符 1"/>
+          <p:cNvSpPr>
+            <a:spLocks noGrp="1" noRot="1" noChangeAspect="1"/>
+          </p:cNvSpPr>
+          <p:nvPr>
+            <p:ph type="sldImg"/>
+          </p:nvPr>
+        </p:nvSpPr>
+        <p:spPr/>
+      </p:sp>
+      <p:sp>
+        <p:nvSpPr>
+          <p:cNvPr id="3" name="备注占位符 2"/>
+          <p:cNvSpPr>
+            <a:spLocks noGrp="1"/>
+          </p:cNvSpPr>
+          <p:nvPr>
+            <p:ph type="body" idx="1"/>
+          </p:nvPr>
+        </p:nvSpPr>
+        <p:spPr/>
+        <p:txBody>
+          <a:bodyPr/>
+          <a:lstStyle/>
+          <a:p>
+            <a:endParaRPr kumimoji="1" lang="zh-CN" altLang="en-US" dirty="0"/>
+          </a:p>
+        </p:txBody>
+      </p:sp>
+      <p:sp>
+        <p:nvSpPr>
+          <p:cNvPr id="4" name="幻灯片编号占位符 3"/>
+          <p:cNvSpPr>
+            <a:spLocks noGrp="1"/>
+          </p:cNvSpPr>
+          <p:nvPr>
+            <p:ph type="sldNum" sz="quarter" idx="10"/>
+          </p:nvPr>
+        </p:nvSpPr>
+        <p:spPr/>
+        <p:txBody>
+          <a:bodyPr/>
+          <a:lstStyle/>
+          <a:p>
+            <a:fld id="{82F1486D-8259-FE48-9F72-9A24EB7627C1}" type="slidenum">
+              <a:rPr kumimoji="1" lang="zh-CN" altLang="en-US" smtClean="0"/>
+              <a:t>3</a:t>
+            </a:fld>
+            <a:endParaRPr kumimoji="1" lang="zh-CN" altLang="en-US"/>
+          </a:p>
+        </p:txBody>
+      </p:sp>
+    </p:spTree>
+    <p:extLst>
+      <p:ext uri="{BB962C8B-B14F-4D97-AF65-F5344CB8AC3E}">
+        <p14:creationId xmlns:p14="http://schemas.microsoft.com/office/powerpoint/2010/main" val="1779713184"/>
+      </p:ext>
+    </p:extLst>
+  </p:cSld>
+  <p:clrMapOvr>
+    <a:masterClrMapping/>
+  </p:clrMapOvr>
+</p:notes>
+</file>
+
+<file path=ppt/notesSlides/notesSlide3.xml><?xml version="1.0" encoding="utf-8"?>
+<p:notes xmlns:a="http://schemas.openxmlformats.org/drawingml/2006/main" xmlns:r="http://schemas.openxmlformats.org/officeDocument/2006/relationships" xmlns:p="http://schemas.openxmlformats.org/presentationml/2006/main">
+  <p:cSld>
+    <p:spTree>
+      <p:nvGrpSpPr>
+        <p:cNvPr id="1" name=""/>
+        <p:cNvGrpSpPr/>
+        <p:nvPr/>
+      </p:nvGrpSpPr>
+      <p:grpSpPr>
+        <a:xfrm>
+          <a:off x="0" y="0"/>
+          <a:ext cx="0" cy="0"/>
+          <a:chOff x="0" y="0"/>
+          <a:chExt cx="0" cy="0"/>
+        </a:xfrm>
+      </p:grpSpPr>
+      <p:sp>
+        <p:nvSpPr>
+          <p:cNvPr id="2" name="幻灯片图像占位符 1"/>
+          <p:cNvSpPr>
+            <a:spLocks noGrp="1" noRot="1" noChangeAspect="1"/>
+          </p:cNvSpPr>
+          <p:nvPr>
+            <p:ph type="sldImg"/>
+          </p:nvPr>
+        </p:nvSpPr>
+        <p:spPr/>
+      </p:sp>
+      <p:sp>
+        <p:nvSpPr>
+          <p:cNvPr id="3" name="备注占位符 2"/>
+          <p:cNvSpPr>
+            <a:spLocks noGrp="1"/>
+          </p:cNvSpPr>
+          <p:nvPr>
+            <p:ph type="body" idx="1"/>
+          </p:nvPr>
+        </p:nvSpPr>
+        <p:spPr/>
+        <p:txBody>
+          <a:bodyPr/>
+          <a:lstStyle/>
+          <a:p>
+            <a:endParaRPr kumimoji="1" lang="zh-CN" altLang="en-US" dirty="0"/>
+          </a:p>
+        </p:txBody>
+      </p:sp>
+      <p:sp>
+        <p:nvSpPr>
+          <p:cNvPr id="4" name="幻灯片编号占位符 3"/>
+          <p:cNvSpPr>
+            <a:spLocks noGrp="1"/>
+          </p:cNvSpPr>
+          <p:nvPr>
+            <p:ph type="sldNum" sz="quarter" idx="10"/>
+          </p:nvPr>
+        </p:nvSpPr>
+        <p:spPr/>
+        <p:txBody>
+          <a:bodyPr/>
+          <a:lstStyle/>
+          <a:p>
+            <a:fld id="{82F1486D-8259-FE48-9F72-9A24EB7627C1}" type="slidenum">
+              <a:rPr kumimoji="1" lang="zh-CN" altLang="en-US" smtClean="0"/>
+              <a:t>4</a:t>
+            </a:fld>
+            <a:endParaRPr kumimoji="1" lang="zh-CN" altLang="en-US"/>
+          </a:p>
+        </p:txBody>
+      </p:sp>
+    </p:spTree>
+    <p:extLst>
+      <p:ext uri="{BB962C8B-B14F-4D97-AF65-F5344CB8AC3E}">
+        <p14:creationId xmlns:p14="http://schemas.microsoft.com/office/powerpoint/2010/main" val="1569309474"/>
+      </p:ext>
+    </p:extLst>
+  </p:cSld>
+  <p:clrMapOvr>
+    <a:masterClrMapping/>
+  </p:clrMapOvr>
+</p:notes>
+</file>
+
 <file path=ppt/slideLayouts/slideLayout1.xml><?xml version="1.0" encoding="utf-8"?>
 <p:sldLayout xmlns:a="http://schemas.openxmlformats.org/drawingml/2006/main" xmlns:r="http://schemas.openxmlformats.org/officeDocument/2006/relationships" xmlns:p="http://schemas.openxmlformats.org/presentationml/2006/main" type="title" preserve="1">
   <p:cSld name="标题幻灯片">
@@ -681,7 +851,7 @@
           <a:p>
             <a:fld id="{FFB0026E-4F40-7942-A3C7-BA7D934E5B6D}" type="datetimeFigureOut">
               <a:rPr kumimoji="1" lang="zh-CN" altLang="en-US" smtClean="0"/>
-              <a:t>17/9/4</a:t>
+              <a:t>17/9/6</a:t>
             </a:fld>
             <a:endParaRPr kumimoji="1" lang="zh-CN" altLang="en-US"/>
           </a:p>
@@ -851,7 +1021,7 @@
           <a:p>
             <a:fld id="{FFB0026E-4F40-7942-A3C7-BA7D934E5B6D}" type="datetimeFigureOut">
               <a:rPr kumimoji="1" lang="zh-CN" altLang="en-US" smtClean="0"/>
-              <a:t>17/9/4</a:t>
+              <a:t>17/9/6</a:t>
             </a:fld>
             <a:endParaRPr kumimoji="1" lang="zh-CN" altLang="en-US"/>
           </a:p>
@@ -1031,7 +1201,7 @@
           <a:p>
             <a:fld id="{FFB0026E-4F40-7942-A3C7-BA7D934E5B6D}" type="datetimeFigureOut">
               <a:rPr kumimoji="1" lang="zh-CN" altLang="en-US" smtClean="0"/>
-              <a:t>17/9/4</a:t>
+              <a:t>17/9/6</a:t>
             </a:fld>
             <a:endParaRPr kumimoji="1" lang="zh-CN" altLang="en-US"/>
           </a:p>
@@ -1201,7 +1371,7 @@
           <a:p>
             <a:fld id="{FFB0026E-4F40-7942-A3C7-BA7D934E5B6D}" type="datetimeFigureOut">
               <a:rPr kumimoji="1" lang="zh-CN" altLang="en-US" smtClean="0"/>
-              <a:t>17/9/4</a:t>
+              <a:t>17/9/6</a:t>
             </a:fld>
             <a:endParaRPr kumimoji="1" lang="zh-CN" altLang="en-US"/>
           </a:p>
@@ -1447,7 +1617,7 @@
           <a:p>
             <a:fld id="{FFB0026E-4F40-7942-A3C7-BA7D934E5B6D}" type="datetimeFigureOut">
               <a:rPr kumimoji="1" lang="zh-CN" altLang="en-US" smtClean="0"/>
-              <a:t>17/9/4</a:t>
+              <a:t>17/9/6</a:t>
             </a:fld>
             <a:endParaRPr kumimoji="1" lang="zh-CN" altLang="en-US"/>
           </a:p>
@@ -1679,7 +1849,7 @@
           <a:p>
             <a:fld id="{FFB0026E-4F40-7942-A3C7-BA7D934E5B6D}" type="datetimeFigureOut">
               <a:rPr kumimoji="1" lang="zh-CN" altLang="en-US" smtClean="0"/>
-              <a:t>17/9/4</a:t>
+              <a:t>17/9/6</a:t>
             </a:fld>
             <a:endParaRPr kumimoji="1" lang="zh-CN" altLang="en-US"/>
           </a:p>
@@ -2046,7 +2216,7 @@
           <a:p>
             <a:fld id="{FFB0026E-4F40-7942-A3C7-BA7D934E5B6D}" type="datetimeFigureOut">
               <a:rPr kumimoji="1" lang="zh-CN" altLang="en-US" smtClean="0"/>
-              <a:t>17/9/4</a:t>
+              <a:t>17/9/6</a:t>
             </a:fld>
             <a:endParaRPr kumimoji="1" lang="zh-CN" altLang="en-US"/>
           </a:p>
@@ -2164,7 +2334,7 @@
           <a:p>
             <a:fld id="{FFB0026E-4F40-7942-A3C7-BA7D934E5B6D}" type="datetimeFigureOut">
               <a:rPr kumimoji="1" lang="zh-CN" altLang="en-US" smtClean="0"/>
-              <a:t>17/9/4</a:t>
+              <a:t>17/9/6</a:t>
             </a:fld>
             <a:endParaRPr kumimoji="1" lang="zh-CN" altLang="en-US"/>
           </a:p>
@@ -2259,7 +2429,7 @@
           <a:p>
             <a:fld id="{FFB0026E-4F40-7942-A3C7-BA7D934E5B6D}" type="datetimeFigureOut">
               <a:rPr kumimoji="1" lang="zh-CN" altLang="en-US" smtClean="0"/>
-              <a:t>17/9/4</a:t>
+              <a:t>17/9/6</a:t>
             </a:fld>
             <a:endParaRPr kumimoji="1" lang="zh-CN" altLang="en-US"/>
           </a:p>
@@ -2536,7 +2706,7 @@
           <a:p>
             <a:fld id="{FFB0026E-4F40-7942-A3C7-BA7D934E5B6D}" type="datetimeFigureOut">
               <a:rPr kumimoji="1" lang="zh-CN" altLang="en-US" smtClean="0"/>
-              <a:t>17/9/4</a:t>
+              <a:t>17/9/6</a:t>
             </a:fld>
             <a:endParaRPr kumimoji="1" lang="zh-CN" altLang="en-US"/>
           </a:p>
@@ -2789,7 +2959,7 @@
           <a:p>
             <a:fld id="{FFB0026E-4F40-7942-A3C7-BA7D934E5B6D}" type="datetimeFigureOut">
               <a:rPr kumimoji="1" lang="zh-CN" altLang="en-US" smtClean="0"/>
-              <a:t>17/9/4</a:t>
+              <a:t>17/9/6</a:t>
             </a:fld>
             <a:endParaRPr kumimoji="1" lang="zh-CN" altLang="en-US"/>
           </a:p>
@@ -3002,7 +3172,7 @@
           <a:p>
             <a:fld id="{FFB0026E-4F40-7942-A3C7-BA7D934E5B6D}" type="datetimeFigureOut">
               <a:rPr kumimoji="1" lang="zh-CN" altLang="en-US" smtClean="0"/>
-              <a:t>17/9/4</a:t>
+              <a:t>17/9/6</a:t>
             </a:fld>
             <a:endParaRPr kumimoji="1" lang="zh-CN" altLang="en-US"/>
           </a:p>
@@ -6668,6 +6838,3465 @@
     <p:extLst>
       <p:ext uri="{BB962C8B-B14F-4D97-AF65-F5344CB8AC3E}">
         <p14:creationId xmlns:p14="http://schemas.microsoft.com/office/powerpoint/2010/main" val="1338740831"/>
+      </p:ext>
+    </p:extLst>
+  </p:cSld>
+  <p:clrMapOvr>
+    <a:masterClrMapping/>
+  </p:clrMapOvr>
+</p:sld>
+</file>
+
+<file path=ppt/slides/slide3.xml><?xml version="1.0" encoding="utf-8"?>
+<p:sld xmlns:a="http://schemas.openxmlformats.org/drawingml/2006/main" xmlns:r="http://schemas.openxmlformats.org/officeDocument/2006/relationships" xmlns:p="http://schemas.openxmlformats.org/presentationml/2006/main">
+  <p:cSld>
+    <p:spTree>
+      <p:nvGrpSpPr>
+        <p:cNvPr id="1" name=""/>
+        <p:cNvGrpSpPr/>
+        <p:nvPr/>
+      </p:nvGrpSpPr>
+      <p:grpSpPr>
+        <a:xfrm>
+          <a:off x="0" y="0"/>
+          <a:ext cx="0" cy="0"/>
+          <a:chOff x="0" y="0"/>
+          <a:chExt cx="0" cy="0"/>
+        </a:xfrm>
+      </p:grpSpPr>
+      <p:sp>
+        <p:nvSpPr>
+          <p:cNvPr id="2" name="文本框 1"/>
+          <p:cNvSpPr txBox="1"/>
+          <p:nvPr/>
+        </p:nvSpPr>
+        <p:spPr>
+          <a:xfrm>
+            <a:off x="162838" y="100208"/>
+            <a:ext cx="3694787" cy="369332"/>
+          </a:xfrm>
+          <a:prstGeom prst="rect">
+            <a:avLst/>
+          </a:prstGeom>
+          <a:noFill/>
+        </p:spPr>
+        <p:txBody>
+          <a:bodyPr wrap="square" rtlCol="0">
+            <a:spAutoFit/>
+          </a:bodyPr>
+          <a:lstStyle/>
+          <a:p>
+            <a:r>
+              <a:rPr kumimoji="1" lang="zh-CN" altLang="en-US" dirty="0" smtClean="0"/>
+              <a:t>如何使用“</a:t>
+            </a:r>
+            <a:r>
+              <a:rPr kumimoji="1" lang="zh-CN" altLang="en-US" dirty="0" smtClean="0">
+                <a:solidFill>
+                  <a:srgbClr val="C00000"/>
+                </a:solidFill>
+              </a:rPr>
+              <a:t>日志服务</a:t>
+            </a:r>
+            <a:r>
+              <a:rPr kumimoji="1" lang="zh-CN" altLang="en-US" dirty="0" smtClean="0"/>
+              <a:t>”</a:t>
+            </a:r>
+            <a:endParaRPr kumimoji="1" lang="zh-CN" altLang="en-US" dirty="0"/>
+          </a:p>
+        </p:txBody>
+      </p:sp>
+      <p:sp>
+        <p:nvSpPr>
+          <p:cNvPr id="8" name="矩形 7"/>
+          <p:cNvSpPr/>
+          <p:nvPr/>
+        </p:nvSpPr>
+        <p:spPr>
+          <a:xfrm>
+            <a:off x="1596325" y="3655878"/>
+            <a:ext cx="8291594" cy="1999281"/>
+          </a:xfrm>
+          <a:prstGeom prst="rect">
+            <a:avLst/>
+          </a:prstGeom>
+        </p:spPr>
+        <p:style>
+          <a:lnRef idx="2">
+            <a:schemeClr val="accent1">
+              <a:shade val="50000"/>
+            </a:schemeClr>
+          </a:lnRef>
+          <a:fillRef idx="1">
+            <a:schemeClr val="accent1"/>
+          </a:fillRef>
+          <a:effectRef idx="0">
+            <a:schemeClr val="accent1"/>
+          </a:effectRef>
+          <a:fontRef idx="minor">
+            <a:schemeClr val="lt1"/>
+          </a:fontRef>
+        </p:style>
+        <p:txBody>
+          <a:bodyPr rtlCol="0" anchor="t"/>
+          <a:lstStyle/>
+          <a:p>
+            <a:pPr algn="ctr"/>
+            <a:r>
+              <a:rPr kumimoji="1" lang="en-US" altLang="zh-CN" dirty="0" smtClean="0"/>
+              <a:t>JNL</a:t>
+            </a:r>
+            <a:r>
+              <a:rPr kumimoji="1" lang="zh-CN" altLang="en-US" dirty="0" smtClean="0"/>
+              <a:t>（流水和日志）</a:t>
+            </a:r>
+            <a:endParaRPr kumimoji="1" lang="en-US" altLang="zh-CN" dirty="0" smtClean="0"/>
+          </a:p>
+        </p:txBody>
+      </p:sp>
+      <p:sp>
+        <p:nvSpPr>
+          <p:cNvPr id="12" name="立方体 11"/>
+          <p:cNvSpPr/>
+          <p:nvPr/>
+        </p:nvSpPr>
+        <p:spPr>
+          <a:xfrm>
+            <a:off x="4608693" y="5477445"/>
+            <a:ext cx="1224367" cy="976393"/>
+          </a:xfrm>
+          <a:prstGeom prst="cube">
+            <a:avLst/>
+          </a:prstGeom>
+        </p:spPr>
+        <p:style>
+          <a:lnRef idx="2">
+            <a:schemeClr val="accent1">
+              <a:shade val="50000"/>
+            </a:schemeClr>
+          </a:lnRef>
+          <a:fillRef idx="1">
+            <a:schemeClr val="accent1"/>
+          </a:fillRef>
+          <a:effectRef idx="0">
+            <a:schemeClr val="accent1"/>
+          </a:effectRef>
+          <a:fontRef idx="minor">
+            <a:schemeClr val="lt1"/>
+          </a:fontRef>
+        </p:style>
+        <p:txBody>
+          <a:bodyPr rtlCol="0" anchor="ctr"/>
+          <a:lstStyle/>
+          <a:p>
+            <a:pPr algn="ctr"/>
+            <a:r>
+              <a:rPr kumimoji="1" lang="en-US" altLang="zh-CN" dirty="0" err="1" smtClean="0"/>
+              <a:t>Redis</a:t>
+            </a:r>
+            <a:endParaRPr kumimoji="1" lang="zh-CN" altLang="en-US" dirty="0"/>
+          </a:p>
+        </p:txBody>
+      </p:sp>
+      <p:sp>
+        <p:nvSpPr>
+          <p:cNvPr id="13" name="罐形 12"/>
+          <p:cNvSpPr/>
+          <p:nvPr/>
+        </p:nvSpPr>
+        <p:spPr>
+          <a:xfrm>
+            <a:off x="8179022" y="5409985"/>
+            <a:ext cx="1177871" cy="1038386"/>
+          </a:xfrm>
+          <a:prstGeom prst="can">
+            <a:avLst/>
+          </a:prstGeom>
+        </p:spPr>
+        <p:style>
+          <a:lnRef idx="2">
+            <a:schemeClr val="accent1">
+              <a:shade val="50000"/>
+            </a:schemeClr>
+          </a:lnRef>
+          <a:fillRef idx="1">
+            <a:schemeClr val="accent1"/>
+          </a:fillRef>
+          <a:effectRef idx="0">
+            <a:schemeClr val="accent1"/>
+          </a:effectRef>
+          <a:fontRef idx="minor">
+            <a:schemeClr val="lt1"/>
+          </a:fontRef>
+        </p:style>
+        <p:txBody>
+          <a:bodyPr rtlCol="0" anchor="ctr"/>
+          <a:lstStyle/>
+          <a:p>
+            <a:pPr algn="ctr"/>
+            <a:r>
+              <a:rPr kumimoji="1" lang="en-US" altLang="zh-CN" dirty="0" smtClean="0"/>
+              <a:t>DB</a:t>
+            </a:r>
+            <a:endParaRPr kumimoji="1" lang="zh-CN" altLang="en-US" dirty="0"/>
+          </a:p>
+        </p:txBody>
+      </p:sp>
+      <p:sp>
+        <p:nvSpPr>
+          <p:cNvPr id="39" name="矩形 38"/>
+          <p:cNvSpPr/>
+          <p:nvPr/>
+        </p:nvSpPr>
+        <p:spPr>
+          <a:xfrm>
+            <a:off x="1756474" y="4123415"/>
+            <a:ext cx="1919207" cy="1221782"/>
+          </a:xfrm>
+          <a:prstGeom prst="rect">
+            <a:avLst/>
+          </a:prstGeom>
+          <a:solidFill>
+            <a:schemeClr val="bg1">
+              <a:lumMod val="95000"/>
+            </a:schemeClr>
+          </a:solidFill>
+        </p:spPr>
+        <p:style>
+          <a:lnRef idx="2">
+            <a:schemeClr val="accent1">
+              <a:shade val="50000"/>
+            </a:schemeClr>
+          </a:lnRef>
+          <a:fillRef idx="1">
+            <a:schemeClr val="accent1"/>
+          </a:fillRef>
+          <a:effectRef idx="0">
+            <a:schemeClr val="accent1"/>
+          </a:effectRef>
+          <a:fontRef idx="minor">
+            <a:schemeClr val="lt1"/>
+          </a:fontRef>
+        </p:style>
+        <p:txBody>
+          <a:bodyPr rtlCol="0" anchor="t"/>
+          <a:lstStyle/>
+          <a:p>
+            <a:pPr algn="ctr"/>
+            <a:r>
+              <a:rPr kumimoji="1" lang="zh-CN" altLang="en-US" sz="1400" dirty="0" smtClean="0">
+                <a:solidFill>
+                  <a:schemeClr val="bg1">
+                    <a:lumMod val="75000"/>
+                  </a:schemeClr>
+                </a:solidFill>
+              </a:rPr>
+              <a:t>流水服务（</a:t>
+            </a:r>
+            <a:r>
+              <a:rPr kumimoji="1" lang="en-US" altLang="zh-CN" sz="1400" dirty="0" err="1" smtClean="0">
+                <a:solidFill>
+                  <a:schemeClr val="bg1">
+                    <a:lumMod val="75000"/>
+                  </a:schemeClr>
+                </a:solidFill>
+              </a:rPr>
+              <a:t>JournalRService</a:t>
+            </a:r>
+            <a:r>
+              <a:rPr kumimoji="1" lang="zh-CN" altLang="en-US" sz="1400" dirty="0" smtClean="0">
+                <a:solidFill>
+                  <a:schemeClr val="bg1">
+                    <a:lumMod val="75000"/>
+                  </a:schemeClr>
+                </a:solidFill>
+              </a:rPr>
+              <a:t>）</a:t>
+            </a:r>
+            <a:endParaRPr kumimoji="1" lang="en-US" altLang="zh-CN" sz="1400" dirty="0" smtClean="0">
+              <a:solidFill>
+                <a:schemeClr val="bg1">
+                  <a:lumMod val="75000"/>
+                </a:schemeClr>
+              </a:solidFill>
+            </a:endParaRPr>
+          </a:p>
+        </p:txBody>
+      </p:sp>
+      <p:sp>
+        <p:nvSpPr>
+          <p:cNvPr id="46" name="矩形 45"/>
+          <p:cNvSpPr/>
+          <p:nvPr/>
+        </p:nvSpPr>
+        <p:spPr>
+          <a:xfrm>
+            <a:off x="3835830" y="4123415"/>
+            <a:ext cx="5824780" cy="1221782"/>
+          </a:xfrm>
+          <a:prstGeom prst="rect">
+            <a:avLst/>
+          </a:prstGeom>
+          <a:solidFill>
+            <a:schemeClr val="bg1">
+              <a:lumMod val="95000"/>
+            </a:schemeClr>
+          </a:solidFill>
+        </p:spPr>
+        <p:style>
+          <a:lnRef idx="2">
+            <a:schemeClr val="accent1">
+              <a:shade val="50000"/>
+            </a:schemeClr>
+          </a:lnRef>
+          <a:fillRef idx="1">
+            <a:schemeClr val="accent1"/>
+          </a:fillRef>
+          <a:effectRef idx="0">
+            <a:schemeClr val="accent1"/>
+          </a:effectRef>
+          <a:fontRef idx="minor">
+            <a:schemeClr val="lt1"/>
+          </a:fontRef>
+        </p:style>
+        <p:txBody>
+          <a:bodyPr rtlCol="0" anchor="t"/>
+          <a:lstStyle/>
+          <a:p>
+            <a:pPr algn="ctr"/>
+            <a:r>
+              <a:rPr kumimoji="1" lang="zh-CN" altLang="en-US" sz="1400" dirty="0" smtClean="0">
+                <a:solidFill>
+                  <a:srgbClr val="C00000"/>
+                </a:solidFill>
+              </a:rPr>
+              <a:t>日志服务（</a:t>
+            </a:r>
+            <a:r>
+              <a:rPr kumimoji="1" lang="en-US" altLang="zh-CN" sz="1400" dirty="0" err="1" smtClean="0">
+                <a:solidFill>
+                  <a:srgbClr val="C00000"/>
+                </a:solidFill>
+              </a:rPr>
+              <a:t>OperatorLogRService</a:t>
+            </a:r>
+            <a:r>
+              <a:rPr kumimoji="1" lang="zh-CN" altLang="en-US" sz="1400" dirty="0" smtClean="0">
+                <a:solidFill>
+                  <a:srgbClr val="C00000"/>
+                </a:solidFill>
+              </a:rPr>
+              <a:t>）</a:t>
+            </a:r>
+            <a:endParaRPr kumimoji="1" lang="en-US" altLang="zh-CN" sz="1400" dirty="0" smtClean="0">
+              <a:solidFill>
+                <a:srgbClr val="C00000"/>
+              </a:solidFill>
+            </a:endParaRPr>
+          </a:p>
+        </p:txBody>
+      </p:sp>
+      <p:cxnSp>
+        <p:nvCxnSpPr>
+          <p:cNvPr id="22" name="肘形连接符 21"/>
+          <p:cNvCxnSpPr>
+            <a:stCxn id="39" idx="2"/>
+            <a:endCxn id="12" idx="2"/>
+          </p:cNvCxnSpPr>
+          <p:nvPr/>
+        </p:nvCxnSpPr>
+        <p:spPr>
+          <a:xfrm rot="16200000" flipH="1">
+            <a:off x="3291138" y="4770136"/>
+            <a:ext cx="742494" cy="1892615"/>
+          </a:xfrm>
+          <a:prstGeom prst="bentConnector2">
+            <a:avLst/>
+          </a:prstGeom>
+          <a:ln>
+            <a:solidFill>
+              <a:schemeClr val="tx1"/>
+            </a:solidFill>
+            <a:tailEnd type="triangle"/>
+          </a:ln>
+        </p:spPr>
+        <p:style>
+          <a:lnRef idx="1">
+            <a:schemeClr val="accent1"/>
+          </a:lnRef>
+          <a:fillRef idx="0">
+            <a:schemeClr val="accent1"/>
+          </a:fillRef>
+          <a:effectRef idx="0">
+            <a:schemeClr val="accent1"/>
+          </a:effectRef>
+          <a:fontRef idx="minor">
+            <a:schemeClr val="tx1"/>
+          </a:fontRef>
+        </p:style>
+      </p:cxnSp>
+      <p:cxnSp>
+        <p:nvCxnSpPr>
+          <p:cNvPr id="48" name="肘形连接符 47"/>
+          <p:cNvCxnSpPr>
+            <a:stCxn id="46" idx="2"/>
+            <a:endCxn id="12" idx="5"/>
+          </p:cNvCxnSpPr>
+          <p:nvPr/>
+        </p:nvCxnSpPr>
+        <p:spPr>
+          <a:xfrm rot="5400000">
+            <a:off x="6041443" y="5136814"/>
+            <a:ext cx="498395" cy="915160"/>
+          </a:xfrm>
+          <a:prstGeom prst="bentConnector2">
+            <a:avLst/>
+          </a:prstGeom>
+          <a:ln>
+            <a:solidFill>
+              <a:schemeClr val="tx1"/>
+            </a:solidFill>
+            <a:tailEnd type="triangle"/>
+          </a:ln>
+        </p:spPr>
+        <p:style>
+          <a:lnRef idx="1">
+            <a:schemeClr val="accent1"/>
+          </a:lnRef>
+          <a:fillRef idx="0">
+            <a:schemeClr val="accent1"/>
+          </a:fillRef>
+          <a:effectRef idx="0">
+            <a:schemeClr val="accent1"/>
+          </a:effectRef>
+          <a:fontRef idx="minor">
+            <a:schemeClr val="tx1"/>
+          </a:fontRef>
+        </p:style>
+      </p:cxnSp>
+      <p:sp>
+        <p:nvSpPr>
+          <p:cNvPr id="30" name="右箭头 29"/>
+          <p:cNvSpPr/>
+          <p:nvPr/>
+        </p:nvSpPr>
+        <p:spPr>
+          <a:xfrm>
+            <a:off x="6358607" y="5986394"/>
+            <a:ext cx="1506461" cy="366148"/>
+          </a:xfrm>
+          <a:prstGeom prst="rightArrow">
+            <a:avLst/>
+          </a:prstGeom>
+        </p:spPr>
+        <p:style>
+          <a:lnRef idx="2">
+            <a:schemeClr val="accent1">
+              <a:shade val="50000"/>
+            </a:schemeClr>
+          </a:lnRef>
+          <a:fillRef idx="1">
+            <a:schemeClr val="accent1"/>
+          </a:fillRef>
+          <a:effectRef idx="0">
+            <a:schemeClr val="accent1"/>
+          </a:effectRef>
+          <a:fontRef idx="minor">
+            <a:schemeClr val="lt1"/>
+          </a:fontRef>
+        </p:style>
+        <p:txBody>
+          <a:bodyPr rtlCol="0" anchor="ctr"/>
+          <a:lstStyle/>
+          <a:p>
+            <a:pPr algn="ctr"/>
+            <a:r>
+              <a:rPr kumimoji="1" lang="zh-CN" altLang="en-US" sz="1200" dirty="0" smtClean="0"/>
+              <a:t>整理日志</a:t>
+            </a:r>
+            <a:endParaRPr kumimoji="1" lang="zh-CN" altLang="en-US" sz="1200" dirty="0"/>
+          </a:p>
+        </p:txBody>
+      </p:sp>
+      <p:grpSp>
+        <p:nvGrpSpPr>
+          <p:cNvPr id="36" name="组 35"/>
+          <p:cNvGrpSpPr/>
+          <p:nvPr/>
+        </p:nvGrpSpPr>
+        <p:grpSpPr>
+          <a:xfrm>
+            <a:off x="8648070" y="3111717"/>
+            <a:ext cx="154983" cy="1011698"/>
+            <a:chOff x="9113005" y="3339883"/>
+            <a:chExt cx="154983" cy="1011698"/>
+          </a:xfrm>
+        </p:grpSpPr>
+        <p:sp>
+          <p:nvSpPr>
+            <p:cNvPr id="31" name="椭圆 30"/>
+            <p:cNvSpPr/>
+            <p:nvPr/>
+          </p:nvSpPr>
+          <p:spPr>
+            <a:xfrm>
+              <a:off x="9113005" y="3339883"/>
+              <a:ext cx="154983" cy="170482"/>
+            </a:xfrm>
+            <a:prstGeom prst="ellipse">
+              <a:avLst/>
+            </a:prstGeom>
+            <a:solidFill>
+              <a:srgbClr val="7030A0"/>
+            </a:solidFill>
+            <a:ln>
+              <a:solidFill>
+                <a:srgbClr val="7030A0"/>
+              </a:solidFill>
+            </a:ln>
+          </p:spPr>
+          <p:style>
+            <a:lnRef idx="2">
+              <a:schemeClr val="accent1">
+                <a:shade val="50000"/>
+              </a:schemeClr>
+            </a:lnRef>
+            <a:fillRef idx="1">
+              <a:schemeClr val="accent1"/>
+            </a:fillRef>
+            <a:effectRef idx="0">
+              <a:schemeClr val="accent1"/>
+            </a:effectRef>
+            <a:fontRef idx="minor">
+              <a:schemeClr val="lt1"/>
+            </a:fontRef>
+          </p:style>
+          <p:txBody>
+            <a:bodyPr rtlCol="0" anchor="ctr"/>
+            <a:lstStyle/>
+            <a:p>
+              <a:pPr algn="ctr"/>
+              <a:endParaRPr kumimoji="1" lang="zh-CN" altLang="en-US"/>
+            </a:p>
+          </p:txBody>
+        </p:sp>
+        <p:cxnSp>
+          <p:nvCxnSpPr>
+            <p:cNvPr id="33" name="直线箭头连接符 32"/>
+            <p:cNvCxnSpPr/>
+            <p:nvPr/>
+          </p:nvCxnSpPr>
+          <p:spPr>
+            <a:xfrm flipV="1">
+              <a:off x="9182195" y="3510365"/>
+              <a:ext cx="8301" cy="841216"/>
+            </a:xfrm>
+            <a:prstGeom prst="straightConnector1">
+              <a:avLst/>
+            </a:prstGeom>
+            <a:ln w="38100">
+              <a:solidFill>
+                <a:srgbClr val="7030A0"/>
+              </a:solidFill>
+              <a:headEnd type="none" w="med" len="med"/>
+              <a:tailEnd type="none" w="med" len="med"/>
+            </a:ln>
+          </p:spPr>
+          <p:style>
+            <a:lnRef idx="1">
+              <a:schemeClr val="accent1"/>
+            </a:lnRef>
+            <a:fillRef idx="0">
+              <a:schemeClr val="accent1"/>
+            </a:fillRef>
+            <a:effectRef idx="0">
+              <a:schemeClr val="accent1"/>
+            </a:effectRef>
+            <a:fontRef idx="minor">
+              <a:schemeClr val="tx1"/>
+            </a:fontRef>
+          </p:style>
+        </p:cxnSp>
+      </p:grpSp>
+      <p:grpSp>
+        <p:nvGrpSpPr>
+          <p:cNvPr id="56" name="组 55"/>
+          <p:cNvGrpSpPr/>
+          <p:nvPr/>
+        </p:nvGrpSpPr>
+        <p:grpSpPr>
+          <a:xfrm>
+            <a:off x="8128954" y="3111717"/>
+            <a:ext cx="154983" cy="1011698"/>
+            <a:chOff x="9113005" y="3339883"/>
+            <a:chExt cx="154983" cy="1011698"/>
+          </a:xfrm>
+        </p:grpSpPr>
+        <p:sp>
+          <p:nvSpPr>
+            <p:cNvPr id="60" name="椭圆 59"/>
+            <p:cNvSpPr/>
+            <p:nvPr/>
+          </p:nvSpPr>
+          <p:spPr>
+            <a:xfrm>
+              <a:off x="9113005" y="3339883"/>
+              <a:ext cx="154983" cy="170482"/>
+            </a:xfrm>
+            <a:prstGeom prst="ellipse">
+              <a:avLst/>
+            </a:prstGeom>
+            <a:solidFill>
+              <a:schemeClr val="tx1"/>
+            </a:solidFill>
+            <a:ln>
+              <a:solidFill>
+                <a:schemeClr val="tx1"/>
+              </a:solidFill>
+            </a:ln>
+          </p:spPr>
+          <p:style>
+            <a:lnRef idx="2">
+              <a:schemeClr val="accent1">
+                <a:shade val="50000"/>
+              </a:schemeClr>
+            </a:lnRef>
+            <a:fillRef idx="1">
+              <a:schemeClr val="accent1"/>
+            </a:fillRef>
+            <a:effectRef idx="0">
+              <a:schemeClr val="accent1"/>
+            </a:effectRef>
+            <a:fontRef idx="minor">
+              <a:schemeClr val="lt1"/>
+            </a:fontRef>
+          </p:style>
+          <p:txBody>
+            <a:bodyPr rtlCol="0" anchor="ctr"/>
+            <a:lstStyle/>
+            <a:p>
+              <a:pPr algn="ctr"/>
+              <a:endParaRPr kumimoji="1" lang="zh-CN" altLang="en-US"/>
+            </a:p>
+          </p:txBody>
+        </p:sp>
+        <p:cxnSp>
+          <p:nvCxnSpPr>
+            <p:cNvPr id="61" name="直线箭头连接符 60"/>
+            <p:cNvCxnSpPr/>
+            <p:nvPr/>
+          </p:nvCxnSpPr>
+          <p:spPr>
+            <a:xfrm flipV="1">
+              <a:off x="9182195" y="3510365"/>
+              <a:ext cx="8301" cy="841216"/>
+            </a:xfrm>
+            <a:prstGeom prst="straightConnector1">
+              <a:avLst/>
+            </a:prstGeom>
+            <a:ln w="38100">
+              <a:solidFill>
+                <a:schemeClr val="tx1"/>
+              </a:solidFill>
+              <a:headEnd type="none" w="med" len="med"/>
+              <a:tailEnd type="none" w="med" len="med"/>
+            </a:ln>
+          </p:spPr>
+          <p:style>
+            <a:lnRef idx="1">
+              <a:schemeClr val="accent1"/>
+            </a:lnRef>
+            <a:fillRef idx="0">
+              <a:schemeClr val="accent1"/>
+            </a:fillRef>
+            <a:effectRef idx="0">
+              <a:schemeClr val="accent1"/>
+            </a:effectRef>
+            <a:fontRef idx="minor">
+              <a:schemeClr val="tx1"/>
+            </a:fontRef>
+          </p:style>
+        </p:cxnSp>
+      </p:grpSp>
+      <p:grpSp>
+        <p:nvGrpSpPr>
+          <p:cNvPr id="62" name="组 61"/>
+          <p:cNvGrpSpPr/>
+          <p:nvPr/>
+        </p:nvGrpSpPr>
+        <p:grpSpPr>
+          <a:xfrm>
+            <a:off x="9193086" y="3124276"/>
+            <a:ext cx="154983" cy="1011698"/>
+            <a:chOff x="9113005" y="3339883"/>
+            <a:chExt cx="154983" cy="1011698"/>
+          </a:xfrm>
+        </p:grpSpPr>
+        <p:sp>
+          <p:nvSpPr>
+            <p:cNvPr id="63" name="椭圆 62"/>
+            <p:cNvSpPr/>
+            <p:nvPr/>
+          </p:nvSpPr>
+          <p:spPr>
+            <a:xfrm>
+              <a:off x="9113005" y="3339883"/>
+              <a:ext cx="154983" cy="170482"/>
+            </a:xfrm>
+            <a:prstGeom prst="ellipse">
+              <a:avLst/>
+            </a:prstGeom>
+            <a:solidFill>
+              <a:srgbClr val="00B050"/>
+            </a:solidFill>
+            <a:ln>
+              <a:solidFill>
+                <a:srgbClr val="00B050"/>
+              </a:solidFill>
+            </a:ln>
+          </p:spPr>
+          <p:style>
+            <a:lnRef idx="2">
+              <a:schemeClr val="accent1">
+                <a:shade val="50000"/>
+              </a:schemeClr>
+            </a:lnRef>
+            <a:fillRef idx="1">
+              <a:schemeClr val="accent1"/>
+            </a:fillRef>
+            <a:effectRef idx="0">
+              <a:schemeClr val="accent1"/>
+            </a:effectRef>
+            <a:fontRef idx="minor">
+              <a:schemeClr val="lt1"/>
+            </a:fontRef>
+          </p:style>
+          <p:txBody>
+            <a:bodyPr rtlCol="0" anchor="ctr"/>
+            <a:lstStyle/>
+            <a:p>
+              <a:pPr algn="ctr"/>
+              <a:endParaRPr kumimoji="1" lang="zh-CN" altLang="en-US"/>
+            </a:p>
+          </p:txBody>
+        </p:sp>
+        <p:cxnSp>
+          <p:nvCxnSpPr>
+            <p:cNvPr id="64" name="直线箭头连接符 63"/>
+            <p:cNvCxnSpPr/>
+            <p:nvPr/>
+          </p:nvCxnSpPr>
+          <p:spPr>
+            <a:xfrm flipV="1">
+              <a:off x="9182195" y="3510365"/>
+              <a:ext cx="8301" cy="841216"/>
+            </a:xfrm>
+            <a:prstGeom prst="straightConnector1">
+              <a:avLst/>
+            </a:prstGeom>
+            <a:ln w="38100">
+              <a:solidFill>
+                <a:srgbClr val="00B050"/>
+              </a:solidFill>
+              <a:headEnd type="none" w="med" len="med"/>
+              <a:tailEnd type="none" w="med" len="med"/>
+            </a:ln>
+          </p:spPr>
+          <p:style>
+            <a:lnRef idx="1">
+              <a:schemeClr val="accent1"/>
+            </a:lnRef>
+            <a:fillRef idx="0">
+              <a:schemeClr val="accent1"/>
+            </a:fillRef>
+            <a:effectRef idx="0">
+              <a:schemeClr val="accent1"/>
+            </a:effectRef>
+            <a:fontRef idx="minor">
+              <a:schemeClr val="tx1"/>
+            </a:fontRef>
+          </p:style>
+        </p:cxnSp>
+      </p:grpSp>
+      <p:sp>
+        <p:nvSpPr>
+          <p:cNvPr id="52" name="矩形 51"/>
+          <p:cNvSpPr/>
+          <p:nvPr/>
+        </p:nvSpPr>
+        <p:spPr>
+          <a:xfrm>
+            <a:off x="451982" y="990601"/>
+            <a:ext cx="3619500" cy="1193800"/>
+          </a:xfrm>
+          <a:prstGeom prst="rect">
+            <a:avLst/>
+          </a:prstGeom>
+          <a:solidFill>
+            <a:schemeClr val="accent6">
+              <a:lumMod val="20000"/>
+              <a:lumOff val="80000"/>
+            </a:schemeClr>
+          </a:solidFill>
+        </p:spPr>
+        <p:style>
+          <a:lnRef idx="2">
+            <a:schemeClr val="accent1">
+              <a:shade val="50000"/>
+            </a:schemeClr>
+          </a:lnRef>
+          <a:fillRef idx="1">
+            <a:schemeClr val="accent1"/>
+          </a:fillRef>
+          <a:effectRef idx="0">
+            <a:schemeClr val="accent1"/>
+          </a:effectRef>
+          <a:fontRef idx="minor">
+            <a:schemeClr val="lt1"/>
+          </a:fontRef>
+        </p:style>
+        <p:txBody>
+          <a:bodyPr rtlCol="0" anchor="t"/>
+          <a:lstStyle/>
+          <a:p>
+            <a:pPr algn="ctr"/>
+            <a:r>
+              <a:rPr kumimoji="1" lang="zh-CN" altLang="en-US" dirty="0" smtClean="0">
+                <a:solidFill>
+                  <a:schemeClr val="tx1"/>
+                </a:solidFill>
+              </a:rPr>
+              <a:t>功能逻辑</a:t>
+            </a:r>
+            <a:endParaRPr kumimoji="1" lang="zh-CN" altLang="en-US" dirty="0">
+              <a:solidFill>
+                <a:schemeClr val="tx1"/>
+              </a:solidFill>
+            </a:endParaRPr>
+          </a:p>
+        </p:txBody>
+      </p:sp>
+      <p:sp>
+        <p:nvSpPr>
+          <p:cNvPr id="65" name="右箭头 64"/>
+          <p:cNvSpPr/>
+          <p:nvPr/>
+        </p:nvSpPr>
+        <p:spPr>
+          <a:xfrm>
+            <a:off x="735256" y="1651001"/>
+            <a:ext cx="3044126" cy="330200"/>
+          </a:xfrm>
+          <a:prstGeom prst="rightArrow">
+            <a:avLst/>
+          </a:prstGeom>
+          <a:solidFill>
+            <a:schemeClr val="bg1">
+              <a:lumMod val="85000"/>
+            </a:schemeClr>
+          </a:solidFill>
+        </p:spPr>
+        <p:style>
+          <a:lnRef idx="2">
+            <a:schemeClr val="accent1">
+              <a:shade val="50000"/>
+            </a:schemeClr>
+          </a:lnRef>
+          <a:fillRef idx="1">
+            <a:schemeClr val="accent1"/>
+          </a:fillRef>
+          <a:effectRef idx="0">
+            <a:schemeClr val="accent1"/>
+          </a:effectRef>
+          <a:fontRef idx="minor">
+            <a:schemeClr val="lt1"/>
+          </a:fontRef>
+        </p:style>
+        <p:txBody>
+          <a:bodyPr rtlCol="0" anchor="ctr"/>
+          <a:lstStyle/>
+          <a:p>
+            <a:pPr algn="ctr"/>
+            <a:r>
+              <a:rPr kumimoji="1" lang="zh-CN" altLang="en-US" sz="1200" dirty="0" smtClean="0">
+                <a:solidFill>
+                  <a:schemeClr val="bg2">
+                    <a:lumMod val="50000"/>
+                  </a:schemeClr>
+                </a:solidFill>
+              </a:rPr>
+              <a:t>业务流程</a:t>
+            </a:r>
+            <a:endParaRPr kumimoji="1" lang="zh-CN" altLang="en-US" sz="1200" dirty="0">
+              <a:solidFill>
+                <a:schemeClr val="bg2">
+                  <a:lumMod val="50000"/>
+                </a:schemeClr>
+              </a:solidFill>
+            </a:endParaRPr>
+          </a:p>
+        </p:txBody>
+      </p:sp>
+      <p:sp>
+        <p:nvSpPr>
+          <p:cNvPr id="73" name="矩形 72"/>
+          <p:cNvSpPr/>
+          <p:nvPr/>
+        </p:nvSpPr>
+        <p:spPr>
+          <a:xfrm>
+            <a:off x="4560283" y="990601"/>
+            <a:ext cx="3126691" cy="1193800"/>
+          </a:xfrm>
+          <a:prstGeom prst="rect">
+            <a:avLst/>
+          </a:prstGeom>
+        </p:spPr>
+        <p:style>
+          <a:lnRef idx="2">
+            <a:schemeClr val="accent1">
+              <a:shade val="50000"/>
+            </a:schemeClr>
+          </a:lnRef>
+          <a:fillRef idx="1">
+            <a:schemeClr val="accent1"/>
+          </a:fillRef>
+          <a:effectRef idx="0">
+            <a:schemeClr val="accent1"/>
+          </a:effectRef>
+          <a:fontRef idx="minor">
+            <a:schemeClr val="lt1"/>
+          </a:fontRef>
+        </p:style>
+        <p:txBody>
+          <a:bodyPr rtlCol="0" anchor="t"/>
+          <a:lstStyle/>
+          <a:p>
+            <a:pPr algn="ctr"/>
+            <a:r>
+              <a:rPr kumimoji="1" lang="en-US" altLang="zh-CN" dirty="0" err="1"/>
+              <a:t>XxxxRService</a:t>
+            </a:r>
+            <a:endParaRPr kumimoji="1" lang="zh-CN" altLang="en-US" dirty="0"/>
+          </a:p>
+        </p:txBody>
+      </p:sp>
+      <p:sp>
+        <p:nvSpPr>
+          <p:cNvPr id="75" name="矩形 74"/>
+          <p:cNvSpPr/>
+          <p:nvPr/>
+        </p:nvSpPr>
+        <p:spPr>
+          <a:xfrm>
+            <a:off x="10094214" y="994226"/>
+            <a:ext cx="1476093" cy="1193800"/>
+          </a:xfrm>
+          <a:prstGeom prst="rect">
+            <a:avLst/>
+          </a:prstGeom>
+          <a:solidFill>
+            <a:srgbClr val="00B050"/>
+          </a:solidFill>
+        </p:spPr>
+        <p:style>
+          <a:lnRef idx="2">
+            <a:schemeClr val="accent1">
+              <a:shade val="50000"/>
+            </a:schemeClr>
+          </a:lnRef>
+          <a:fillRef idx="1">
+            <a:schemeClr val="accent1"/>
+          </a:fillRef>
+          <a:effectRef idx="0">
+            <a:schemeClr val="accent1"/>
+          </a:effectRef>
+          <a:fontRef idx="minor">
+            <a:schemeClr val="lt1"/>
+          </a:fontRef>
+        </p:style>
+        <p:txBody>
+          <a:bodyPr rtlCol="0" anchor="t"/>
+          <a:lstStyle/>
+          <a:p>
+            <a:pPr algn="ctr"/>
+            <a:r>
+              <a:rPr kumimoji="1" lang="en-US" altLang="zh-CN" dirty="0"/>
+              <a:t>Governor</a:t>
+            </a:r>
+            <a:endParaRPr kumimoji="1" lang="zh-CN" altLang="en-US" dirty="0"/>
+          </a:p>
+        </p:txBody>
+      </p:sp>
+      <p:sp>
+        <p:nvSpPr>
+          <p:cNvPr id="76" name="右箭头 75"/>
+          <p:cNvSpPr/>
+          <p:nvPr/>
+        </p:nvSpPr>
+        <p:spPr>
+          <a:xfrm>
+            <a:off x="4790731" y="1651001"/>
+            <a:ext cx="2532663" cy="330200"/>
+          </a:xfrm>
+          <a:prstGeom prst="rightArrow">
+            <a:avLst/>
+          </a:prstGeom>
+          <a:solidFill>
+            <a:schemeClr val="bg1">
+              <a:lumMod val="85000"/>
+            </a:schemeClr>
+          </a:solidFill>
+        </p:spPr>
+        <p:style>
+          <a:lnRef idx="2">
+            <a:schemeClr val="accent1">
+              <a:shade val="50000"/>
+            </a:schemeClr>
+          </a:lnRef>
+          <a:fillRef idx="1">
+            <a:schemeClr val="accent1"/>
+          </a:fillRef>
+          <a:effectRef idx="0">
+            <a:schemeClr val="accent1"/>
+          </a:effectRef>
+          <a:fontRef idx="minor">
+            <a:schemeClr val="lt1"/>
+          </a:fontRef>
+        </p:style>
+        <p:txBody>
+          <a:bodyPr rtlCol="0" anchor="ctr"/>
+          <a:lstStyle/>
+          <a:p>
+            <a:pPr algn="ctr"/>
+            <a:r>
+              <a:rPr kumimoji="1" lang="zh-CN" altLang="en-US" sz="1200" dirty="0" smtClean="0">
+                <a:solidFill>
+                  <a:schemeClr val="bg2">
+                    <a:lumMod val="50000"/>
+                  </a:schemeClr>
+                </a:solidFill>
+              </a:rPr>
+              <a:t>功能流程</a:t>
+            </a:r>
+            <a:endParaRPr kumimoji="1" lang="zh-CN" altLang="en-US" sz="1200" dirty="0">
+              <a:solidFill>
+                <a:schemeClr val="bg2">
+                  <a:lumMod val="50000"/>
+                </a:schemeClr>
+              </a:solidFill>
+            </a:endParaRPr>
+          </a:p>
+        </p:txBody>
+      </p:sp>
+      <p:sp>
+        <p:nvSpPr>
+          <p:cNvPr id="77" name="椭圆 76"/>
+          <p:cNvSpPr/>
+          <p:nvPr/>
+        </p:nvSpPr>
+        <p:spPr>
+          <a:xfrm>
+            <a:off x="5236038" y="1740359"/>
+            <a:ext cx="141315" cy="152400"/>
+          </a:xfrm>
+          <a:prstGeom prst="ellipse">
+            <a:avLst/>
+          </a:prstGeom>
+          <a:solidFill>
+            <a:schemeClr val="tx1"/>
+          </a:solidFill>
+          <a:ln>
+            <a:solidFill>
+              <a:schemeClr val="tx1"/>
+            </a:solidFill>
+          </a:ln>
+        </p:spPr>
+        <p:style>
+          <a:lnRef idx="2">
+            <a:schemeClr val="accent1">
+              <a:shade val="50000"/>
+            </a:schemeClr>
+          </a:lnRef>
+          <a:fillRef idx="1">
+            <a:schemeClr val="accent1"/>
+          </a:fillRef>
+          <a:effectRef idx="0">
+            <a:schemeClr val="accent1"/>
+          </a:effectRef>
+          <a:fontRef idx="minor">
+            <a:schemeClr val="lt1"/>
+          </a:fontRef>
+        </p:style>
+        <p:txBody>
+          <a:bodyPr rtlCol="0" anchor="ctr"/>
+          <a:lstStyle/>
+          <a:p>
+            <a:pPr algn="ctr"/>
+            <a:endParaRPr kumimoji="1" lang="zh-CN" altLang="en-US"/>
+          </a:p>
+        </p:txBody>
+      </p:sp>
+      <p:sp>
+        <p:nvSpPr>
+          <p:cNvPr id="78" name="椭圆 77"/>
+          <p:cNvSpPr/>
+          <p:nvPr/>
+        </p:nvSpPr>
+        <p:spPr>
+          <a:xfrm>
+            <a:off x="6495689" y="1739901"/>
+            <a:ext cx="141315" cy="152400"/>
+          </a:xfrm>
+          <a:prstGeom prst="ellipse">
+            <a:avLst/>
+          </a:prstGeom>
+          <a:solidFill>
+            <a:schemeClr val="tx1"/>
+          </a:solidFill>
+          <a:ln>
+            <a:solidFill>
+              <a:schemeClr val="tx1"/>
+            </a:solidFill>
+          </a:ln>
+        </p:spPr>
+        <p:style>
+          <a:lnRef idx="2">
+            <a:schemeClr val="accent1">
+              <a:shade val="50000"/>
+            </a:schemeClr>
+          </a:lnRef>
+          <a:fillRef idx="1">
+            <a:schemeClr val="accent1"/>
+          </a:fillRef>
+          <a:effectRef idx="0">
+            <a:schemeClr val="accent1"/>
+          </a:effectRef>
+          <a:fontRef idx="minor">
+            <a:schemeClr val="lt1"/>
+          </a:fontRef>
+        </p:style>
+        <p:txBody>
+          <a:bodyPr rtlCol="0" anchor="ctr"/>
+          <a:lstStyle/>
+          <a:p>
+            <a:pPr algn="ctr"/>
+            <a:endParaRPr kumimoji="1" lang="zh-CN" altLang="en-US"/>
+          </a:p>
+        </p:txBody>
+      </p:sp>
+      <p:sp>
+        <p:nvSpPr>
+          <p:cNvPr id="79" name="椭圆 78"/>
+          <p:cNvSpPr/>
+          <p:nvPr/>
+        </p:nvSpPr>
+        <p:spPr>
+          <a:xfrm>
+            <a:off x="6841948" y="1739901"/>
+            <a:ext cx="141315" cy="152400"/>
+          </a:xfrm>
+          <a:prstGeom prst="ellipse">
+            <a:avLst/>
+          </a:prstGeom>
+          <a:solidFill>
+            <a:schemeClr val="tx1"/>
+          </a:solidFill>
+          <a:ln>
+            <a:solidFill>
+              <a:schemeClr val="tx1"/>
+            </a:solidFill>
+          </a:ln>
+        </p:spPr>
+        <p:style>
+          <a:lnRef idx="2">
+            <a:schemeClr val="accent1">
+              <a:shade val="50000"/>
+            </a:schemeClr>
+          </a:lnRef>
+          <a:fillRef idx="1">
+            <a:schemeClr val="accent1"/>
+          </a:fillRef>
+          <a:effectRef idx="0">
+            <a:schemeClr val="accent1"/>
+          </a:effectRef>
+          <a:fontRef idx="minor">
+            <a:schemeClr val="lt1"/>
+          </a:fontRef>
+        </p:style>
+        <p:txBody>
+          <a:bodyPr rtlCol="0" anchor="ctr"/>
+          <a:lstStyle/>
+          <a:p>
+            <a:pPr algn="ctr"/>
+            <a:endParaRPr kumimoji="1" lang="zh-CN" altLang="en-US"/>
+          </a:p>
+        </p:txBody>
+      </p:sp>
+      <p:cxnSp>
+        <p:nvCxnSpPr>
+          <p:cNvPr id="81" name="曲线连接符 80"/>
+          <p:cNvCxnSpPr>
+            <a:stCxn id="141" idx="2"/>
+            <a:endCxn id="60" idx="2"/>
+          </p:cNvCxnSpPr>
+          <p:nvPr/>
+        </p:nvCxnSpPr>
+        <p:spPr>
+          <a:xfrm rot="16200000" flipH="1">
+            <a:off x="4130449" y="-801547"/>
+            <a:ext cx="1066072" cy="6930937"/>
+          </a:xfrm>
+          <a:prstGeom prst="curvedConnector2">
+            <a:avLst/>
+          </a:prstGeom>
+          <a:ln>
+            <a:solidFill>
+              <a:schemeClr val="tx1"/>
+            </a:solidFill>
+            <a:tailEnd type="triangle"/>
+          </a:ln>
+        </p:spPr>
+        <p:style>
+          <a:lnRef idx="1">
+            <a:schemeClr val="accent1"/>
+          </a:lnRef>
+          <a:fillRef idx="0">
+            <a:schemeClr val="accent1"/>
+          </a:fillRef>
+          <a:effectRef idx="0">
+            <a:schemeClr val="accent1"/>
+          </a:effectRef>
+          <a:fontRef idx="minor">
+            <a:schemeClr val="tx1"/>
+          </a:fontRef>
+        </p:style>
+      </p:cxnSp>
+      <p:cxnSp>
+        <p:nvCxnSpPr>
+          <p:cNvPr id="83" name="曲线连接符 82"/>
+          <p:cNvCxnSpPr>
+            <a:stCxn id="139" idx="2"/>
+            <a:endCxn id="60" idx="2"/>
+          </p:cNvCxnSpPr>
+          <p:nvPr/>
+        </p:nvCxnSpPr>
+        <p:spPr>
+          <a:xfrm rot="16200000" flipH="1">
+            <a:off x="5224164" y="292167"/>
+            <a:ext cx="1058333" cy="4751248"/>
+          </a:xfrm>
+          <a:prstGeom prst="curvedConnector2">
+            <a:avLst/>
+          </a:prstGeom>
+          <a:ln>
+            <a:solidFill>
+              <a:schemeClr val="tx1"/>
+            </a:solidFill>
+            <a:tailEnd type="triangle"/>
+          </a:ln>
+        </p:spPr>
+        <p:style>
+          <a:lnRef idx="1">
+            <a:schemeClr val="accent1"/>
+          </a:lnRef>
+          <a:fillRef idx="0">
+            <a:schemeClr val="accent1"/>
+          </a:fillRef>
+          <a:effectRef idx="0">
+            <a:schemeClr val="accent1"/>
+          </a:effectRef>
+          <a:fontRef idx="minor">
+            <a:schemeClr val="tx1"/>
+          </a:fontRef>
+        </p:style>
+      </p:cxnSp>
+      <p:cxnSp>
+        <p:nvCxnSpPr>
+          <p:cNvPr id="89" name="曲线连接符 88"/>
+          <p:cNvCxnSpPr>
+            <a:stCxn id="77" idx="4"/>
+            <a:endCxn id="60" idx="1"/>
+          </p:cNvCxnSpPr>
+          <p:nvPr/>
+        </p:nvCxnSpPr>
+        <p:spPr>
+          <a:xfrm rot="16200000" flipH="1">
+            <a:off x="6107211" y="1092243"/>
+            <a:ext cx="1243925" cy="2844955"/>
+          </a:xfrm>
+          <a:prstGeom prst="curvedConnector3">
+            <a:avLst>
+              <a:gd name="adj1" fmla="val 50000"/>
+            </a:avLst>
+          </a:prstGeom>
+          <a:ln>
+            <a:solidFill>
+              <a:schemeClr val="tx1"/>
+            </a:solidFill>
+            <a:tailEnd type="triangle"/>
+          </a:ln>
+        </p:spPr>
+        <p:style>
+          <a:lnRef idx="1">
+            <a:schemeClr val="accent1"/>
+          </a:lnRef>
+          <a:fillRef idx="0">
+            <a:schemeClr val="accent1"/>
+          </a:fillRef>
+          <a:effectRef idx="0">
+            <a:schemeClr val="accent1"/>
+          </a:effectRef>
+          <a:fontRef idx="minor">
+            <a:schemeClr val="tx1"/>
+          </a:fontRef>
+        </p:style>
+      </p:cxnSp>
+      <p:cxnSp>
+        <p:nvCxnSpPr>
+          <p:cNvPr id="92" name="曲线连接符 91"/>
+          <p:cNvCxnSpPr>
+            <a:stCxn id="78" idx="4"/>
+            <a:endCxn id="60" idx="1"/>
+          </p:cNvCxnSpPr>
+          <p:nvPr/>
+        </p:nvCxnSpPr>
+        <p:spPr>
+          <a:xfrm rot="16200000" flipH="1">
+            <a:off x="6736808" y="1721840"/>
+            <a:ext cx="1244383" cy="1585304"/>
+          </a:xfrm>
+          <a:prstGeom prst="curvedConnector3">
+            <a:avLst>
+              <a:gd name="adj1" fmla="val 50000"/>
+            </a:avLst>
+          </a:prstGeom>
+          <a:ln>
+            <a:solidFill>
+              <a:schemeClr val="tx1"/>
+            </a:solidFill>
+            <a:tailEnd type="triangle"/>
+          </a:ln>
+        </p:spPr>
+        <p:style>
+          <a:lnRef idx="1">
+            <a:schemeClr val="accent1"/>
+          </a:lnRef>
+          <a:fillRef idx="0">
+            <a:schemeClr val="accent1"/>
+          </a:fillRef>
+          <a:effectRef idx="0">
+            <a:schemeClr val="accent1"/>
+          </a:effectRef>
+          <a:fontRef idx="minor">
+            <a:schemeClr val="tx1"/>
+          </a:fontRef>
+        </p:style>
+      </p:cxnSp>
+      <p:cxnSp>
+        <p:nvCxnSpPr>
+          <p:cNvPr id="95" name="曲线连接符 94"/>
+          <p:cNvCxnSpPr>
+            <a:stCxn id="79" idx="4"/>
+            <a:endCxn id="60" idx="1"/>
+          </p:cNvCxnSpPr>
+          <p:nvPr/>
+        </p:nvCxnSpPr>
+        <p:spPr>
+          <a:xfrm rot="16200000" flipH="1">
+            <a:off x="6909937" y="1894969"/>
+            <a:ext cx="1244383" cy="1239045"/>
+          </a:xfrm>
+          <a:prstGeom prst="curvedConnector3">
+            <a:avLst>
+              <a:gd name="adj1" fmla="val 50000"/>
+            </a:avLst>
+          </a:prstGeom>
+          <a:ln>
+            <a:solidFill>
+              <a:schemeClr val="tx1"/>
+            </a:solidFill>
+            <a:tailEnd type="triangle"/>
+          </a:ln>
+        </p:spPr>
+        <p:style>
+          <a:lnRef idx="1">
+            <a:schemeClr val="accent1"/>
+          </a:lnRef>
+          <a:fillRef idx="0">
+            <a:schemeClr val="accent1"/>
+          </a:fillRef>
+          <a:effectRef idx="0">
+            <a:schemeClr val="accent1"/>
+          </a:effectRef>
+          <a:fontRef idx="minor">
+            <a:schemeClr val="tx1"/>
+          </a:fontRef>
+        </p:style>
+      </p:cxnSp>
+      <p:sp>
+        <p:nvSpPr>
+          <p:cNvPr id="101" name="矩形 100"/>
+          <p:cNvSpPr/>
+          <p:nvPr/>
+        </p:nvSpPr>
+        <p:spPr>
+          <a:xfrm>
+            <a:off x="3991232" y="4455299"/>
+            <a:ext cx="1234925" cy="303721"/>
+          </a:xfrm>
+          <a:prstGeom prst="rect">
+            <a:avLst/>
+          </a:prstGeom>
+        </p:spPr>
+        <p:style>
+          <a:lnRef idx="2">
+            <a:schemeClr val="accent1">
+              <a:shade val="50000"/>
+            </a:schemeClr>
+          </a:lnRef>
+          <a:fillRef idx="1">
+            <a:schemeClr val="accent1"/>
+          </a:fillRef>
+          <a:effectRef idx="0">
+            <a:schemeClr val="accent1"/>
+          </a:effectRef>
+          <a:fontRef idx="minor">
+            <a:schemeClr val="lt1"/>
+          </a:fontRef>
+        </p:style>
+        <p:txBody>
+          <a:bodyPr rtlCol="0" anchor="ctr"/>
+          <a:lstStyle/>
+          <a:p>
+            <a:pPr algn="ctr"/>
+            <a:r>
+              <a:rPr kumimoji="1" lang="zh-CN" altLang="en-US" sz="1200" dirty="0" smtClean="0"/>
+              <a:t>记录操作日志</a:t>
+            </a:r>
+            <a:endParaRPr kumimoji="1" lang="zh-CN" altLang="en-US" sz="1200" dirty="0"/>
+          </a:p>
+        </p:txBody>
+      </p:sp>
+      <p:sp>
+        <p:nvSpPr>
+          <p:cNvPr id="102" name="矩形 101"/>
+          <p:cNvSpPr/>
+          <p:nvPr/>
+        </p:nvSpPr>
+        <p:spPr>
+          <a:xfrm>
+            <a:off x="3991231" y="4917766"/>
+            <a:ext cx="1234925" cy="303721"/>
+          </a:xfrm>
+          <a:prstGeom prst="rect">
+            <a:avLst/>
+          </a:prstGeom>
+        </p:spPr>
+        <p:style>
+          <a:lnRef idx="2">
+            <a:schemeClr val="accent1">
+              <a:shade val="50000"/>
+            </a:schemeClr>
+          </a:lnRef>
+          <a:fillRef idx="1">
+            <a:schemeClr val="accent1"/>
+          </a:fillRef>
+          <a:effectRef idx="0">
+            <a:schemeClr val="accent1"/>
+          </a:effectRef>
+          <a:fontRef idx="minor">
+            <a:schemeClr val="lt1"/>
+          </a:fontRef>
+        </p:style>
+        <p:txBody>
+          <a:bodyPr rtlCol="0" anchor="ctr"/>
+          <a:lstStyle/>
+          <a:p>
+            <a:pPr algn="ctr"/>
+            <a:r>
+              <a:rPr kumimoji="1" lang="zh-CN" altLang="en-US" sz="1200" dirty="0" smtClean="0"/>
+              <a:t>收集关键数据</a:t>
+            </a:r>
+            <a:endParaRPr kumimoji="1" lang="zh-CN" altLang="en-US" sz="1200" dirty="0"/>
+          </a:p>
+        </p:txBody>
+      </p:sp>
+      <p:sp>
+        <p:nvSpPr>
+          <p:cNvPr id="103" name="矩形 102"/>
+          <p:cNvSpPr/>
+          <p:nvPr/>
+        </p:nvSpPr>
+        <p:spPr>
+          <a:xfrm>
+            <a:off x="5418930" y="4454650"/>
+            <a:ext cx="1234925" cy="303721"/>
+          </a:xfrm>
+          <a:prstGeom prst="rect">
+            <a:avLst/>
+          </a:prstGeom>
+        </p:spPr>
+        <p:style>
+          <a:lnRef idx="2">
+            <a:schemeClr val="accent1">
+              <a:shade val="50000"/>
+            </a:schemeClr>
+          </a:lnRef>
+          <a:fillRef idx="1">
+            <a:schemeClr val="accent1"/>
+          </a:fillRef>
+          <a:effectRef idx="0">
+            <a:schemeClr val="accent1"/>
+          </a:effectRef>
+          <a:fontRef idx="minor">
+            <a:schemeClr val="lt1"/>
+          </a:fontRef>
+        </p:style>
+        <p:txBody>
+          <a:bodyPr rtlCol="0" anchor="ctr"/>
+          <a:lstStyle/>
+          <a:p>
+            <a:pPr algn="ctr"/>
+            <a:r>
+              <a:rPr kumimoji="1" lang="zh-CN" altLang="en-US" sz="1200" dirty="0" smtClean="0"/>
+              <a:t>标记日志状态</a:t>
+            </a:r>
+            <a:endParaRPr kumimoji="1" lang="zh-CN" altLang="en-US" sz="1200" dirty="0"/>
+          </a:p>
+        </p:txBody>
+      </p:sp>
+      <p:sp>
+        <p:nvSpPr>
+          <p:cNvPr id="104" name="矩形 103"/>
+          <p:cNvSpPr/>
+          <p:nvPr/>
+        </p:nvSpPr>
+        <p:spPr>
+          <a:xfrm>
+            <a:off x="5418929" y="4917117"/>
+            <a:ext cx="1234925" cy="303721"/>
+          </a:xfrm>
+          <a:prstGeom prst="rect">
+            <a:avLst/>
+          </a:prstGeom>
+        </p:spPr>
+        <p:style>
+          <a:lnRef idx="2">
+            <a:schemeClr val="accent1">
+              <a:shade val="50000"/>
+            </a:schemeClr>
+          </a:lnRef>
+          <a:fillRef idx="1">
+            <a:schemeClr val="accent1"/>
+          </a:fillRef>
+          <a:effectRef idx="0">
+            <a:schemeClr val="accent1"/>
+          </a:effectRef>
+          <a:fontRef idx="minor">
+            <a:schemeClr val="lt1"/>
+          </a:fontRef>
+        </p:style>
+        <p:txBody>
+          <a:bodyPr rtlCol="0" anchor="ctr"/>
+          <a:lstStyle/>
+          <a:p>
+            <a:pPr algn="ctr"/>
+            <a:r>
+              <a:rPr kumimoji="1" lang="zh-CN" altLang="en-US" sz="1200" dirty="0" smtClean="0"/>
+              <a:t>收集数据</a:t>
+            </a:r>
+            <a:r>
+              <a:rPr kumimoji="1" lang="zh-CN" altLang="en-US" sz="1200" dirty="0"/>
+              <a:t>关键</a:t>
+            </a:r>
+          </a:p>
+        </p:txBody>
+      </p:sp>
+      <p:sp>
+        <p:nvSpPr>
+          <p:cNvPr id="105" name="矩形 104"/>
+          <p:cNvSpPr/>
+          <p:nvPr/>
+        </p:nvSpPr>
+        <p:spPr>
+          <a:xfrm>
+            <a:off x="6825919" y="4454650"/>
+            <a:ext cx="1234925" cy="303721"/>
+          </a:xfrm>
+          <a:prstGeom prst="rect">
+            <a:avLst/>
+          </a:prstGeom>
+        </p:spPr>
+        <p:style>
+          <a:lnRef idx="2">
+            <a:schemeClr val="accent1">
+              <a:shade val="50000"/>
+            </a:schemeClr>
+          </a:lnRef>
+          <a:fillRef idx="1">
+            <a:schemeClr val="accent1"/>
+          </a:fillRef>
+          <a:effectRef idx="0">
+            <a:schemeClr val="accent1"/>
+          </a:effectRef>
+          <a:fontRef idx="minor">
+            <a:schemeClr val="lt1"/>
+          </a:fontRef>
+        </p:style>
+        <p:txBody>
+          <a:bodyPr rtlCol="0" anchor="ctr"/>
+          <a:lstStyle/>
+          <a:p>
+            <a:pPr algn="ctr"/>
+            <a:r>
+              <a:rPr kumimoji="1" lang="zh-CN" altLang="en-US" sz="1200" dirty="0" smtClean="0"/>
+              <a:t>整理操作日志</a:t>
+            </a:r>
+            <a:endParaRPr kumimoji="1" lang="zh-CN" altLang="en-US" sz="1200" dirty="0"/>
+          </a:p>
+        </p:txBody>
+      </p:sp>
+      <p:sp>
+        <p:nvSpPr>
+          <p:cNvPr id="106" name="矩形 105"/>
+          <p:cNvSpPr/>
+          <p:nvPr/>
+        </p:nvSpPr>
+        <p:spPr>
+          <a:xfrm>
+            <a:off x="6825918" y="4917117"/>
+            <a:ext cx="1234925" cy="303721"/>
+          </a:xfrm>
+          <a:prstGeom prst="rect">
+            <a:avLst/>
+          </a:prstGeom>
+        </p:spPr>
+        <p:style>
+          <a:lnRef idx="2">
+            <a:schemeClr val="accent1">
+              <a:shade val="50000"/>
+            </a:schemeClr>
+          </a:lnRef>
+          <a:fillRef idx="1">
+            <a:schemeClr val="accent1"/>
+          </a:fillRef>
+          <a:effectRef idx="0">
+            <a:schemeClr val="accent1"/>
+          </a:effectRef>
+          <a:fontRef idx="minor">
+            <a:schemeClr val="lt1"/>
+          </a:fontRef>
+        </p:style>
+        <p:txBody>
+          <a:bodyPr rtlCol="0" anchor="ctr"/>
+          <a:lstStyle/>
+          <a:p>
+            <a:pPr algn="ctr"/>
+            <a:r>
+              <a:rPr kumimoji="1" lang="is-IS" altLang="zh-CN" sz="1200" dirty="0" smtClean="0"/>
+              <a:t>…</a:t>
+            </a:r>
+            <a:endParaRPr kumimoji="1" lang="zh-CN" altLang="en-US" sz="1200" dirty="0"/>
+          </a:p>
+        </p:txBody>
+      </p:sp>
+      <p:sp>
+        <p:nvSpPr>
+          <p:cNvPr id="107" name="矩形 106"/>
+          <p:cNvSpPr/>
+          <p:nvPr/>
+        </p:nvSpPr>
+        <p:spPr>
+          <a:xfrm>
+            <a:off x="8243263" y="4455188"/>
+            <a:ext cx="1234925" cy="303721"/>
+          </a:xfrm>
+          <a:prstGeom prst="rect">
+            <a:avLst/>
+          </a:prstGeom>
+        </p:spPr>
+        <p:style>
+          <a:lnRef idx="2">
+            <a:schemeClr val="accent1">
+              <a:shade val="50000"/>
+            </a:schemeClr>
+          </a:lnRef>
+          <a:fillRef idx="1">
+            <a:schemeClr val="accent1"/>
+          </a:fillRef>
+          <a:effectRef idx="0">
+            <a:schemeClr val="accent1"/>
+          </a:effectRef>
+          <a:fontRef idx="minor">
+            <a:schemeClr val="lt1"/>
+          </a:fontRef>
+        </p:style>
+        <p:txBody>
+          <a:bodyPr rtlCol="0" anchor="ctr"/>
+          <a:lstStyle/>
+          <a:p>
+            <a:pPr algn="ctr"/>
+            <a:r>
+              <a:rPr kumimoji="1" lang="zh-CN" altLang="en-US" sz="1200" dirty="0" smtClean="0"/>
+              <a:t>查询日志明细</a:t>
+            </a:r>
+            <a:endParaRPr kumimoji="1" lang="zh-CN" altLang="en-US" sz="1200" dirty="0"/>
+          </a:p>
+        </p:txBody>
+      </p:sp>
+      <p:sp>
+        <p:nvSpPr>
+          <p:cNvPr id="108" name="矩形 107"/>
+          <p:cNvSpPr/>
+          <p:nvPr/>
+        </p:nvSpPr>
+        <p:spPr>
+          <a:xfrm>
+            <a:off x="8243262" y="4917655"/>
+            <a:ext cx="1234925" cy="303721"/>
+          </a:xfrm>
+          <a:prstGeom prst="rect">
+            <a:avLst/>
+          </a:prstGeom>
+        </p:spPr>
+        <p:style>
+          <a:lnRef idx="2">
+            <a:schemeClr val="accent1">
+              <a:shade val="50000"/>
+            </a:schemeClr>
+          </a:lnRef>
+          <a:fillRef idx="1">
+            <a:schemeClr val="accent1"/>
+          </a:fillRef>
+          <a:effectRef idx="0">
+            <a:schemeClr val="accent1"/>
+          </a:effectRef>
+          <a:fontRef idx="minor">
+            <a:schemeClr val="lt1"/>
+          </a:fontRef>
+        </p:style>
+        <p:txBody>
+          <a:bodyPr rtlCol="0" anchor="ctr"/>
+          <a:lstStyle/>
+          <a:p>
+            <a:pPr algn="ctr"/>
+            <a:r>
+              <a:rPr kumimoji="1" lang="is-IS" altLang="zh-CN" sz="1200" dirty="0" smtClean="0"/>
+              <a:t>…</a:t>
+            </a:r>
+            <a:endParaRPr kumimoji="1" lang="zh-CN" altLang="en-US" sz="1200" dirty="0"/>
+          </a:p>
+        </p:txBody>
+      </p:sp>
+      <p:sp>
+        <p:nvSpPr>
+          <p:cNvPr id="109" name="矩形 108"/>
+          <p:cNvSpPr/>
+          <p:nvPr/>
+        </p:nvSpPr>
+        <p:spPr>
+          <a:xfrm>
+            <a:off x="2613755" y="1737819"/>
+            <a:ext cx="375938" cy="155346"/>
+          </a:xfrm>
+          <a:prstGeom prst="rect">
+            <a:avLst/>
+          </a:prstGeom>
+        </p:spPr>
+        <p:style>
+          <a:lnRef idx="2">
+            <a:schemeClr val="accent1">
+              <a:shade val="50000"/>
+            </a:schemeClr>
+          </a:lnRef>
+          <a:fillRef idx="1">
+            <a:schemeClr val="accent1"/>
+          </a:fillRef>
+          <a:effectRef idx="0">
+            <a:schemeClr val="accent1"/>
+          </a:effectRef>
+          <a:fontRef idx="minor">
+            <a:schemeClr val="lt1"/>
+          </a:fontRef>
+        </p:style>
+        <p:txBody>
+          <a:bodyPr rtlCol="0" anchor="ctr"/>
+          <a:lstStyle/>
+          <a:p>
+            <a:pPr algn="ctr"/>
+            <a:endParaRPr kumimoji="1" lang="zh-CN" altLang="en-US"/>
+          </a:p>
+        </p:txBody>
+      </p:sp>
+      <p:cxnSp>
+        <p:nvCxnSpPr>
+          <p:cNvPr id="111" name="曲线连接符 110"/>
+          <p:cNvCxnSpPr>
+            <a:stCxn id="109" idx="0"/>
+            <a:endCxn id="76" idx="1"/>
+          </p:cNvCxnSpPr>
+          <p:nvPr/>
+        </p:nvCxnSpPr>
+        <p:spPr>
+          <a:xfrm rot="16200000" flipH="1">
+            <a:off x="3757086" y="782457"/>
+            <a:ext cx="78282" cy="1989007"/>
+          </a:xfrm>
+          <a:prstGeom prst="curvedConnector4">
+            <a:avLst>
+              <a:gd name="adj1" fmla="val -747494"/>
+              <a:gd name="adj2" fmla="val 54725"/>
+            </a:avLst>
+          </a:prstGeom>
+          <a:ln>
+            <a:solidFill>
+              <a:schemeClr val="tx1"/>
+            </a:solidFill>
+            <a:prstDash val="dash"/>
+            <a:tailEnd type="triangle"/>
+          </a:ln>
+        </p:spPr>
+        <p:style>
+          <a:lnRef idx="1">
+            <a:schemeClr val="accent1"/>
+          </a:lnRef>
+          <a:fillRef idx="0">
+            <a:schemeClr val="accent1"/>
+          </a:fillRef>
+          <a:effectRef idx="0">
+            <a:schemeClr val="accent1"/>
+          </a:effectRef>
+          <a:fontRef idx="minor">
+            <a:schemeClr val="tx1"/>
+          </a:fontRef>
+        </p:style>
+      </p:cxnSp>
+      <p:sp>
+        <p:nvSpPr>
+          <p:cNvPr id="124" name="文本框 123"/>
+          <p:cNvSpPr txBox="1"/>
+          <p:nvPr/>
+        </p:nvSpPr>
+        <p:spPr>
+          <a:xfrm>
+            <a:off x="6358607" y="2577502"/>
+            <a:ext cx="1107996" cy="276999"/>
+          </a:xfrm>
+          <a:prstGeom prst="rect">
+            <a:avLst/>
+          </a:prstGeom>
+          <a:noFill/>
+        </p:spPr>
+        <p:txBody>
+          <a:bodyPr wrap="none" rtlCol="0">
+            <a:spAutoFit/>
+          </a:bodyPr>
+          <a:lstStyle/>
+          <a:p>
+            <a:r>
+              <a:rPr kumimoji="1" lang="zh-CN" altLang="en-US" sz="1200" smtClean="0"/>
+              <a:t>收集关键数据</a:t>
+            </a:r>
+            <a:endParaRPr kumimoji="1" lang="zh-CN" altLang="en-US" sz="1200"/>
+          </a:p>
+        </p:txBody>
+      </p:sp>
+      <p:sp>
+        <p:nvSpPr>
+          <p:cNvPr id="127" name="文本框 126"/>
+          <p:cNvSpPr txBox="1"/>
+          <p:nvPr/>
+        </p:nvSpPr>
+        <p:spPr>
+          <a:xfrm>
+            <a:off x="894913" y="1244946"/>
+            <a:ext cx="484428" cy="276999"/>
+          </a:xfrm>
+          <a:prstGeom prst="rect">
+            <a:avLst/>
+          </a:prstGeom>
+          <a:noFill/>
+        </p:spPr>
+        <p:txBody>
+          <a:bodyPr wrap="none" rtlCol="0">
+            <a:spAutoFit/>
+          </a:bodyPr>
+          <a:lstStyle/>
+          <a:p>
+            <a:r>
+              <a:rPr kumimoji="1" lang="en-US" altLang="zh-CN" sz="1200" smtClean="0"/>
+              <a:t>AOP</a:t>
+            </a:r>
+            <a:endParaRPr kumimoji="1" lang="zh-CN" altLang="en-US" sz="1200" dirty="0"/>
+          </a:p>
+        </p:txBody>
+      </p:sp>
+      <p:sp>
+        <p:nvSpPr>
+          <p:cNvPr id="128" name="文本框 127"/>
+          <p:cNvSpPr txBox="1"/>
+          <p:nvPr/>
+        </p:nvSpPr>
+        <p:spPr>
+          <a:xfrm>
+            <a:off x="3158190" y="1223433"/>
+            <a:ext cx="484428" cy="276999"/>
+          </a:xfrm>
+          <a:prstGeom prst="rect">
+            <a:avLst/>
+          </a:prstGeom>
+          <a:noFill/>
+        </p:spPr>
+        <p:txBody>
+          <a:bodyPr wrap="none" rtlCol="0">
+            <a:spAutoFit/>
+          </a:bodyPr>
+          <a:lstStyle/>
+          <a:p>
+            <a:r>
+              <a:rPr kumimoji="1" lang="en-US" altLang="zh-CN" sz="1200" smtClean="0"/>
+              <a:t>AOP</a:t>
+            </a:r>
+            <a:endParaRPr kumimoji="1" lang="zh-CN" altLang="en-US" sz="1200" dirty="0"/>
+          </a:p>
+        </p:txBody>
+      </p:sp>
+      <p:cxnSp>
+        <p:nvCxnSpPr>
+          <p:cNvPr id="131" name="曲线连接符 130"/>
+          <p:cNvCxnSpPr>
+            <a:stCxn id="137" idx="2"/>
+          </p:cNvCxnSpPr>
+          <p:nvPr/>
+        </p:nvCxnSpPr>
+        <p:spPr>
+          <a:xfrm rot="16200000" flipH="1">
+            <a:off x="4864820" y="390765"/>
+            <a:ext cx="1070816" cy="4566535"/>
+          </a:xfrm>
+          <a:prstGeom prst="curvedConnector2">
+            <a:avLst/>
+          </a:prstGeom>
+          <a:ln>
+            <a:solidFill>
+              <a:srgbClr val="FF0000"/>
+            </a:solidFill>
+            <a:tailEnd type="triangle"/>
+          </a:ln>
+        </p:spPr>
+        <p:style>
+          <a:lnRef idx="1">
+            <a:schemeClr val="accent1"/>
+          </a:lnRef>
+          <a:fillRef idx="0">
+            <a:schemeClr val="accent1"/>
+          </a:fillRef>
+          <a:effectRef idx="0">
+            <a:schemeClr val="accent1"/>
+          </a:effectRef>
+          <a:fontRef idx="minor">
+            <a:schemeClr val="tx1"/>
+          </a:fontRef>
+        </p:style>
+      </p:cxnSp>
+      <p:sp>
+        <p:nvSpPr>
+          <p:cNvPr id="137" name="矩形 136"/>
+          <p:cNvSpPr/>
+          <p:nvPr/>
+        </p:nvSpPr>
+        <p:spPr>
+          <a:xfrm>
+            <a:off x="3090337" y="1527808"/>
+            <a:ext cx="53247" cy="610817"/>
+          </a:xfrm>
+          <a:prstGeom prst="rect">
+            <a:avLst/>
+          </a:prstGeom>
+          <a:solidFill>
+            <a:srgbClr val="FF0000"/>
+          </a:solidFill>
+          <a:ln>
+            <a:solidFill>
+              <a:srgbClr val="FF0000"/>
+            </a:solidFill>
+          </a:ln>
+        </p:spPr>
+        <p:style>
+          <a:lnRef idx="2">
+            <a:schemeClr val="accent1">
+              <a:shade val="50000"/>
+            </a:schemeClr>
+          </a:lnRef>
+          <a:fillRef idx="1">
+            <a:schemeClr val="accent1"/>
+          </a:fillRef>
+          <a:effectRef idx="0">
+            <a:schemeClr val="accent1"/>
+          </a:effectRef>
+          <a:fontRef idx="minor">
+            <a:schemeClr val="lt1"/>
+          </a:fontRef>
+        </p:style>
+        <p:txBody>
+          <a:bodyPr rtlCol="0" anchor="ctr"/>
+          <a:lstStyle/>
+          <a:p>
+            <a:pPr algn="ctr"/>
+            <a:endParaRPr kumimoji="1" lang="zh-CN" altLang="en-US"/>
+          </a:p>
+        </p:txBody>
+      </p:sp>
+      <p:sp>
+        <p:nvSpPr>
+          <p:cNvPr id="139" name="矩形 138"/>
+          <p:cNvSpPr/>
+          <p:nvPr/>
+        </p:nvSpPr>
+        <p:spPr>
+          <a:xfrm>
+            <a:off x="3351082" y="1527808"/>
+            <a:ext cx="53247" cy="610817"/>
+          </a:xfrm>
+          <a:prstGeom prst="rect">
+            <a:avLst/>
+          </a:prstGeom>
+          <a:solidFill>
+            <a:schemeClr val="tx1"/>
+          </a:solidFill>
+          <a:ln>
+            <a:solidFill>
+              <a:schemeClr val="tx1"/>
+            </a:solidFill>
+          </a:ln>
+        </p:spPr>
+        <p:style>
+          <a:lnRef idx="2">
+            <a:schemeClr val="accent1">
+              <a:shade val="50000"/>
+            </a:schemeClr>
+          </a:lnRef>
+          <a:fillRef idx="1">
+            <a:schemeClr val="accent1"/>
+          </a:fillRef>
+          <a:effectRef idx="0">
+            <a:schemeClr val="accent1"/>
+          </a:effectRef>
+          <a:fontRef idx="minor">
+            <a:schemeClr val="lt1"/>
+          </a:fontRef>
+        </p:style>
+        <p:txBody>
+          <a:bodyPr rtlCol="0" anchor="ctr"/>
+          <a:lstStyle/>
+          <a:p>
+            <a:pPr algn="ctr"/>
+            <a:endParaRPr kumimoji="1" lang="zh-CN" altLang="en-US"/>
+          </a:p>
+        </p:txBody>
+      </p:sp>
+      <p:sp>
+        <p:nvSpPr>
+          <p:cNvPr id="141" name="矩形 140"/>
+          <p:cNvSpPr/>
+          <p:nvPr/>
+        </p:nvSpPr>
+        <p:spPr>
+          <a:xfrm>
+            <a:off x="1171393" y="1520069"/>
+            <a:ext cx="53247" cy="610817"/>
+          </a:xfrm>
+          <a:prstGeom prst="rect">
+            <a:avLst/>
+          </a:prstGeom>
+          <a:solidFill>
+            <a:schemeClr val="tx1"/>
+          </a:solidFill>
+          <a:ln>
+            <a:solidFill>
+              <a:schemeClr val="tx1"/>
+            </a:solidFill>
+          </a:ln>
+        </p:spPr>
+        <p:style>
+          <a:lnRef idx="2">
+            <a:schemeClr val="accent1">
+              <a:shade val="50000"/>
+            </a:schemeClr>
+          </a:lnRef>
+          <a:fillRef idx="1">
+            <a:schemeClr val="accent1"/>
+          </a:fillRef>
+          <a:effectRef idx="0">
+            <a:schemeClr val="accent1"/>
+          </a:effectRef>
+          <a:fontRef idx="minor">
+            <a:schemeClr val="lt1"/>
+          </a:fontRef>
+        </p:style>
+        <p:txBody>
+          <a:bodyPr rtlCol="0" anchor="ctr"/>
+          <a:lstStyle/>
+          <a:p>
+            <a:pPr algn="ctr"/>
+            <a:endParaRPr kumimoji="1" lang="zh-CN" altLang="en-US"/>
+          </a:p>
+        </p:txBody>
+      </p:sp>
+      <p:sp>
+        <p:nvSpPr>
+          <p:cNvPr id="143" name="矩形 142"/>
+          <p:cNvSpPr/>
+          <p:nvPr/>
+        </p:nvSpPr>
+        <p:spPr>
+          <a:xfrm>
+            <a:off x="8089977" y="990601"/>
+            <a:ext cx="1630486" cy="1193800"/>
+          </a:xfrm>
+          <a:prstGeom prst="rect">
+            <a:avLst/>
+          </a:prstGeom>
+        </p:spPr>
+        <p:style>
+          <a:lnRef idx="2">
+            <a:schemeClr val="accent1">
+              <a:shade val="50000"/>
+            </a:schemeClr>
+          </a:lnRef>
+          <a:fillRef idx="1">
+            <a:schemeClr val="accent1"/>
+          </a:fillRef>
+          <a:effectRef idx="0">
+            <a:schemeClr val="accent1"/>
+          </a:effectRef>
+          <a:fontRef idx="minor">
+            <a:schemeClr val="lt1"/>
+          </a:fontRef>
+        </p:style>
+        <p:txBody>
+          <a:bodyPr rtlCol="0" anchor="t"/>
+          <a:lstStyle/>
+          <a:p>
+            <a:pPr algn="ctr"/>
+            <a:r>
+              <a:rPr kumimoji="1" lang="en-US" altLang="zh-CN" dirty="0" smtClean="0"/>
+              <a:t>Timer</a:t>
+            </a:r>
+            <a:endParaRPr kumimoji="1" lang="zh-CN" altLang="en-US" dirty="0"/>
+          </a:p>
+        </p:txBody>
+      </p:sp>
+      <p:cxnSp>
+        <p:nvCxnSpPr>
+          <p:cNvPr id="144" name="曲线连接符 143"/>
+          <p:cNvCxnSpPr>
+            <a:stCxn id="147" idx="2"/>
+            <a:endCxn id="31" idx="0"/>
+          </p:cNvCxnSpPr>
+          <p:nvPr/>
+        </p:nvCxnSpPr>
+        <p:spPr>
+          <a:xfrm rot="5400000">
+            <a:off x="8247565" y="2457881"/>
+            <a:ext cx="1131833" cy="175838"/>
+          </a:xfrm>
+          <a:prstGeom prst="curvedConnector3">
+            <a:avLst>
+              <a:gd name="adj1" fmla="val 50000"/>
+            </a:avLst>
+          </a:prstGeom>
+          <a:ln>
+            <a:solidFill>
+              <a:srgbClr val="7030A0"/>
+            </a:solidFill>
+            <a:tailEnd type="triangle"/>
+          </a:ln>
+        </p:spPr>
+        <p:style>
+          <a:lnRef idx="1">
+            <a:schemeClr val="accent1"/>
+          </a:lnRef>
+          <a:fillRef idx="0">
+            <a:schemeClr val="accent1"/>
+          </a:fillRef>
+          <a:effectRef idx="0">
+            <a:schemeClr val="accent1"/>
+          </a:effectRef>
+          <a:fontRef idx="minor">
+            <a:schemeClr val="tx1"/>
+          </a:fontRef>
+        </p:style>
+      </p:cxnSp>
+      <p:sp>
+        <p:nvSpPr>
+          <p:cNvPr id="147" name="矩形 146"/>
+          <p:cNvSpPr/>
+          <p:nvPr/>
+        </p:nvSpPr>
+        <p:spPr>
+          <a:xfrm>
+            <a:off x="8283937" y="1388647"/>
+            <a:ext cx="1234925" cy="591237"/>
+          </a:xfrm>
+          <a:prstGeom prst="rect">
+            <a:avLst/>
+          </a:prstGeom>
+        </p:spPr>
+        <p:style>
+          <a:lnRef idx="2">
+            <a:schemeClr val="accent1">
+              <a:shade val="50000"/>
+            </a:schemeClr>
+          </a:lnRef>
+          <a:fillRef idx="1">
+            <a:schemeClr val="accent1"/>
+          </a:fillRef>
+          <a:effectRef idx="0">
+            <a:schemeClr val="accent1"/>
+          </a:effectRef>
+          <a:fontRef idx="minor">
+            <a:schemeClr val="lt1"/>
+          </a:fontRef>
+        </p:style>
+        <p:txBody>
+          <a:bodyPr rtlCol="0" anchor="ctr"/>
+          <a:lstStyle/>
+          <a:p>
+            <a:pPr algn="ctr"/>
+            <a:r>
+              <a:rPr kumimoji="1" lang="zh-CN" altLang="en-US" sz="1200" dirty="0" smtClean="0"/>
+              <a:t>每</a:t>
+            </a:r>
+            <a:r>
+              <a:rPr kumimoji="1" lang="en-US" altLang="zh-CN" sz="1200" dirty="0" smtClean="0"/>
+              <a:t>5</a:t>
+            </a:r>
+            <a:r>
+              <a:rPr kumimoji="1" lang="zh-CN" altLang="en-US" sz="1200" dirty="0" smtClean="0"/>
+              <a:t>秒</a:t>
+            </a:r>
+            <a:endParaRPr kumimoji="1" lang="en-US" altLang="zh-CN" sz="1200" dirty="0" smtClean="0"/>
+          </a:p>
+          <a:p>
+            <a:pPr algn="ctr"/>
+            <a:r>
+              <a:rPr kumimoji="1" lang="zh-CN" altLang="en-US" sz="1200" dirty="0" smtClean="0"/>
+              <a:t>触发整理日志</a:t>
+            </a:r>
+            <a:endParaRPr kumimoji="1" lang="zh-CN" altLang="en-US" sz="1200" dirty="0"/>
+          </a:p>
+        </p:txBody>
+      </p:sp>
+      <p:cxnSp>
+        <p:nvCxnSpPr>
+          <p:cNvPr id="150" name="曲线连接符 149"/>
+          <p:cNvCxnSpPr>
+            <a:stCxn id="75" idx="2"/>
+            <a:endCxn id="63" idx="0"/>
+          </p:cNvCxnSpPr>
+          <p:nvPr/>
+        </p:nvCxnSpPr>
+        <p:spPr>
+          <a:xfrm rot="5400000">
+            <a:off x="9583295" y="1875310"/>
+            <a:ext cx="936250" cy="1561683"/>
+          </a:xfrm>
+          <a:prstGeom prst="curvedConnector3">
+            <a:avLst>
+              <a:gd name="adj1" fmla="val 50000"/>
+            </a:avLst>
+          </a:prstGeom>
+          <a:ln>
+            <a:solidFill>
+              <a:srgbClr val="00B050"/>
+            </a:solidFill>
+            <a:tailEnd type="triangle"/>
+          </a:ln>
+        </p:spPr>
+        <p:style>
+          <a:lnRef idx="1">
+            <a:schemeClr val="accent1"/>
+          </a:lnRef>
+          <a:fillRef idx="0">
+            <a:schemeClr val="accent1"/>
+          </a:fillRef>
+          <a:effectRef idx="0">
+            <a:schemeClr val="accent1"/>
+          </a:effectRef>
+          <a:fontRef idx="minor">
+            <a:schemeClr val="tx1"/>
+          </a:fontRef>
+        </p:style>
+      </p:cxnSp>
+      <p:sp>
+        <p:nvSpPr>
+          <p:cNvPr id="151" name="矩形 150"/>
+          <p:cNvSpPr/>
+          <p:nvPr/>
+        </p:nvSpPr>
+        <p:spPr>
+          <a:xfrm>
+            <a:off x="10214797" y="1388647"/>
+            <a:ext cx="1234925" cy="303721"/>
+          </a:xfrm>
+          <a:prstGeom prst="rect">
+            <a:avLst/>
+          </a:prstGeom>
+          <a:solidFill>
+            <a:schemeClr val="bg1"/>
+          </a:solidFill>
+        </p:spPr>
+        <p:style>
+          <a:lnRef idx="2">
+            <a:schemeClr val="accent1">
+              <a:shade val="50000"/>
+            </a:schemeClr>
+          </a:lnRef>
+          <a:fillRef idx="1">
+            <a:schemeClr val="accent1"/>
+          </a:fillRef>
+          <a:effectRef idx="0">
+            <a:schemeClr val="accent1"/>
+          </a:effectRef>
+          <a:fontRef idx="minor">
+            <a:schemeClr val="lt1"/>
+          </a:fontRef>
+        </p:style>
+        <p:txBody>
+          <a:bodyPr rtlCol="0" anchor="ctr"/>
+          <a:lstStyle/>
+          <a:p>
+            <a:pPr algn="ctr"/>
+            <a:r>
+              <a:rPr kumimoji="1" lang="zh-CN" altLang="en-US" sz="1200" dirty="0" smtClean="0">
+                <a:solidFill>
+                  <a:schemeClr val="tx1"/>
+                </a:solidFill>
+              </a:rPr>
+              <a:t>操作日志明细</a:t>
+            </a:r>
+            <a:endParaRPr kumimoji="1" lang="zh-CN" altLang="en-US" sz="1200" dirty="0">
+              <a:solidFill>
+                <a:schemeClr val="tx1"/>
+              </a:solidFill>
+            </a:endParaRPr>
+          </a:p>
+        </p:txBody>
+      </p:sp>
+      <p:sp>
+        <p:nvSpPr>
+          <p:cNvPr id="152" name="矩形 151"/>
+          <p:cNvSpPr/>
+          <p:nvPr/>
+        </p:nvSpPr>
+        <p:spPr>
+          <a:xfrm>
+            <a:off x="10214796" y="1786041"/>
+            <a:ext cx="1234925" cy="303721"/>
+          </a:xfrm>
+          <a:prstGeom prst="rect">
+            <a:avLst/>
+          </a:prstGeom>
+          <a:solidFill>
+            <a:schemeClr val="bg1"/>
+          </a:solidFill>
+        </p:spPr>
+        <p:style>
+          <a:lnRef idx="2">
+            <a:schemeClr val="accent1">
+              <a:shade val="50000"/>
+            </a:schemeClr>
+          </a:lnRef>
+          <a:fillRef idx="1">
+            <a:schemeClr val="accent1"/>
+          </a:fillRef>
+          <a:effectRef idx="0">
+            <a:schemeClr val="accent1"/>
+          </a:effectRef>
+          <a:fontRef idx="minor">
+            <a:schemeClr val="lt1"/>
+          </a:fontRef>
+        </p:style>
+        <p:txBody>
+          <a:bodyPr rtlCol="0" anchor="ctr"/>
+          <a:lstStyle/>
+          <a:p>
+            <a:pPr algn="ctr"/>
+            <a:r>
+              <a:rPr kumimoji="1" lang="zh-CN" altLang="en-US" sz="1200" dirty="0" smtClean="0">
+                <a:solidFill>
+                  <a:schemeClr val="tx1"/>
+                </a:solidFill>
+              </a:rPr>
+              <a:t>业务对象日志</a:t>
+            </a:r>
+            <a:endParaRPr kumimoji="1" lang="zh-CN" altLang="en-US" sz="1200" dirty="0">
+              <a:solidFill>
+                <a:schemeClr val="tx1"/>
+              </a:solidFill>
+            </a:endParaRPr>
+          </a:p>
+        </p:txBody>
+      </p:sp>
+      <p:sp>
+        <p:nvSpPr>
+          <p:cNvPr id="155" name="文本框 154"/>
+          <p:cNvSpPr txBox="1"/>
+          <p:nvPr/>
+        </p:nvSpPr>
+        <p:spPr>
+          <a:xfrm>
+            <a:off x="9471566" y="2796947"/>
+            <a:ext cx="1117614" cy="276999"/>
+          </a:xfrm>
+          <a:prstGeom prst="rect">
+            <a:avLst/>
+          </a:prstGeom>
+          <a:noFill/>
+        </p:spPr>
+        <p:txBody>
+          <a:bodyPr wrap="none" rtlCol="0">
+            <a:spAutoFit/>
+          </a:bodyPr>
+          <a:lstStyle/>
+          <a:p>
+            <a:r>
+              <a:rPr kumimoji="1" lang="zh-CN" altLang="en-US" sz="1200" dirty="0" smtClean="0"/>
+              <a:t>查询操作日志</a:t>
+            </a:r>
+            <a:endParaRPr kumimoji="1" lang="zh-CN" altLang="en-US" sz="1200" dirty="0"/>
+          </a:p>
+        </p:txBody>
+      </p:sp>
+      <p:sp>
+        <p:nvSpPr>
+          <p:cNvPr id="156" name="文本框 155"/>
+          <p:cNvSpPr txBox="1"/>
+          <p:nvPr/>
+        </p:nvSpPr>
+        <p:spPr>
+          <a:xfrm>
+            <a:off x="8360573" y="2464288"/>
+            <a:ext cx="1117614" cy="276999"/>
+          </a:xfrm>
+          <a:prstGeom prst="rect">
+            <a:avLst/>
+          </a:prstGeom>
+          <a:noFill/>
+        </p:spPr>
+        <p:txBody>
+          <a:bodyPr wrap="none" rtlCol="0">
+            <a:spAutoFit/>
+          </a:bodyPr>
+          <a:lstStyle/>
+          <a:p>
+            <a:r>
+              <a:rPr kumimoji="1" lang="zh-CN" altLang="en-US" sz="1200" dirty="0" smtClean="0"/>
+              <a:t>开始整理日志</a:t>
+            </a:r>
+            <a:endParaRPr kumimoji="1" lang="zh-CN" altLang="en-US" sz="1200" dirty="0"/>
+          </a:p>
+        </p:txBody>
+      </p:sp>
+      <p:sp>
+        <p:nvSpPr>
+          <p:cNvPr id="162" name="文本框 161"/>
+          <p:cNvSpPr txBox="1"/>
+          <p:nvPr/>
+        </p:nvSpPr>
+        <p:spPr>
+          <a:xfrm>
+            <a:off x="356331" y="594788"/>
+            <a:ext cx="2254143" cy="307777"/>
+          </a:xfrm>
+          <a:prstGeom prst="rect">
+            <a:avLst/>
+          </a:prstGeom>
+          <a:noFill/>
+        </p:spPr>
+        <p:txBody>
+          <a:bodyPr wrap="none" rtlCol="0">
+            <a:spAutoFit/>
+          </a:bodyPr>
+          <a:lstStyle/>
+          <a:p>
+            <a:r>
+              <a:rPr kumimoji="1" lang="en-US" altLang="zh-CN" sz="1400" dirty="0" smtClean="0"/>
+              <a:t>1</a:t>
+            </a:r>
+            <a:r>
+              <a:rPr kumimoji="1" lang="zh-CN" altLang="en-US" sz="1400" dirty="0" smtClean="0"/>
+              <a:t>、收集应用功能操作日志</a:t>
+            </a:r>
+            <a:endParaRPr kumimoji="1" lang="zh-CN" altLang="en-US" sz="1400" dirty="0"/>
+          </a:p>
+        </p:txBody>
+      </p:sp>
+      <p:sp>
+        <p:nvSpPr>
+          <p:cNvPr id="163" name="文本框 162"/>
+          <p:cNvSpPr txBox="1"/>
+          <p:nvPr/>
+        </p:nvSpPr>
+        <p:spPr>
+          <a:xfrm>
+            <a:off x="4498621" y="594382"/>
+            <a:ext cx="2613216" cy="307777"/>
+          </a:xfrm>
+          <a:prstGeom prst="rect">
+            <a:avLst/>
+          </a:prstGeom>
+          <a:noFill/>
+        </p:spPr>
+        <p:txBody>
+          <a:bodyPr wrap="none" rtlCol="0">
+            <a:spAutoFit/>
+          </a:bodyPr>
+          <a:lstStyle/>
+          <a:p>
+            <a:r>
+              <a:rPr kumimoji="1" lang="en-US" altLang="zh-CN" sz="1400" dirty="0"/>
+              <a:t>2</a:t>
+            </a:r>
+            <a:r>
+              <a:rPr kumimoji="1" lang="zh-CN" altLang="en-US" sz="1400" dirty="0" smtClean="0"/>
+              <a:t>、在处理步骤中收集关键数据</a:t>
+            </a:r>
+            <a:endParaRPr kumimoji="1" lang="zh-CN" altLang="en-US" sz="1400" dirty="0"/>
+          </a:p>
+        </p:txBody>
+      </p:sp>
+      <p:sp>
+        <p:nvSpPr>
+          <p:cNvPr id="164" name="文本框 163"/>
+          <p:cNvSpPr txBox="1"/>
+          <p:nvPr/>
+        </p:nvSpPr>
+        <p:spPr>
+          <a:xfrm>
+            <a:off x="7999958" y="595435"/>
+            <a:ext cx="1535998" cy="307777"/>
+          </a:xfrm>
+          <a:prstGeom prst="rect">
+            <a:avLst/>
+          </a:prstGeom>
+          <a:noFill/>
+        </p:spPr>
+        <p:txBody>
+          <a:bodyPr wrap="none" rtlCol="0">
+            <a:spAutoFit/>
+          </a:bodyPr>
+          <a:lstStyle/>
+          <a:p>
+            <a:r>
+              <a:rPr kumimoji="1" lang="en-US" altLang="zh-CN" sz="1400" dirty="0" smtClean="0"/>
+              <a:t>3</a:t>
+            </a:r>
+            <a:r>
+              <a:rPr kumimoji="1" lang="zh-CN" altLang="en-US" sz="1400" dirty="0" smtClean="0"/>
+              <a:t>、被定时器触发</a:t>
+            </a:r>
+            <a:endParaRPr kumimoji="1" lang="zh-CN" altLang="en-US" sz="1400" dirty="0"/>
+          </a:p>
+        </p:txBody>
+      </p:sp>
+      <p:sp>
+        <p:nvSpPr>
+          <p:cNvPr id="165" name="文本框 164"/>
+          <p:cNvSpPr txBox="1"/>
+          <p:nvPr/>
+        </p:nvSpPr>
+        <p:spPr>
+          <a:xfrm>
+            <a:off x="10030373" y="585212"/>
+            <a:ext cx="2074607" cy="307777"/>
+          </a:xfrm>
+          <a:prstGeom prst="rect">
+            <a:avLst/>
+          </a:prstGeom>
+          <a:noFill/>
+        </p:spPr>
+        <p:txBody>
+          <a:bodyPr wrap="none" rtlCol="0">
+            <a:spAutoFit/>
+          </a:bodyPr>
+          <a:lstStyle/>
+          <a:p>
+            <a:r>
+              <a:rPr kumimoji="1" lang="en-US" altLang="zh-CN" sz="1400" dirty="0" smtClean="0"/>
+              <a:t>4</a:t>
+            </a:r>
+            <a:r>
+              <a:rPr kumimoji="1" lang="zh-CN" altLang="en-US" sz="1400" dirty="0" smtClean="0"/>
+              <a:t>、管理端查询日志明细</a:t>
+            </a:r>
+            <a:endParaRPr kumimoji="1" lang="zh-CN" altLang="en-US" sz="1400" dirty="0"/>
+          </a:p>
+        </p:txBody>
+      </p:sp>
+    </p:spTree>
+    <p:extLst>
+      <p:ext uri="{BB962C8B-B14F-4D97-AF65-F5344CB8AC3E}">
+        <p14:creationId xmlns:p14="http://schemas.microsoft.com/office/powerpoint/2010/main" val="1848344777"/>
+      </p:ext>
+    </p:extLst>
+  </p:cSld>
+  <p:clrMapOvr>
+    <a:masterClrMapping/>
+  </p:clrMapOvr>
+</p:sld>
+</file>
+
+<file path=ppt/slides/slide4.xml><?xml version="1.0" encoding="utf-8"?>
+<p:sld xmlns:a="http://schemas.openxmlformats.org/drawingml/2006/main" xmlns:r="http://schemas.openxmlformats.org/officeDocument/2006/relationships" xmlns:p="http://schemas.openxmlformats.org/presentationml/2006/main">
+  <p:cSld>
+    <p:spTree>
+      <p:nvGrpSpPr>
+        <p:cNvPr id="1" name=""/>
+        <p:cNvGrpSpPr/>
+        <p:nvPr/>
+      </p:nvGrpSpPr>
+      <p:grpSpPr>
+        <a:xfrm>
+          <a:off x="0" y="0"/>
+          <a:ext cx="0" cy="0"/>
+          <a:chOff x="0" y="0"/>
+          <a:chExt cx="0" cy="0"/>
+        </a:xfrm>
+      </p:grpSpPr>
+      <p:sp>
+        <p:nvSpPr>
+          <p:cNvPr id="2" name="文本框 1"/>
+          <p:cNvSpPr txBox="1"/>
+          <p:nvPr/>
+        </p:nvSpPr>
+        <p:spPr>
+          <a:xfrm>
+            <a:off x="162838" y="100208"/>
+            <a:ext cx="3694787" cy="369332"/>
+          </a:xfrm>
+          <a:prstGeom prst="rect">
+            <a:avLst/>
+          </a:prstGeom>
+          <a:noFill/>
+        </p:spPr>
+        <p:txBody>
+          <a:bodyPr wrap="square" rtlCol="0">
+            <a:spAutoFit/>
+          </a:bodyPr>
+          <a:lstStyle/>
+          <a:p>
+            <a:r>
+              <a:rPr kumimoji="1" lang="zh-CN" altLang="en-US" dirty="0" smtClean="0"/>
+              <a:t>操作日志的模型结构</a:t>
+            </a:r>
+            <a:endParaRPr kumimoji="1" lang="zh-CN" altLang="en-US" dirty="0"/>
+          </a:p>
+        </p:txBody>
+      </p:sp>
+      <p:sp>
+        <p:nvSpPr>
+          <p:cNvPr id="66" name="矩形 65"/>
+          <p:cNvSpPr/>
+          <p:nvPr/>
+        </p:nvSpPr>
+        <p:spPr>
+          <a:xfrm>
+            <a:off x="2732626" y="1297220"/>
+            <a:ext cx="2158017" cy="1193800"/>
+          </a:xfrm>
+          <a:prstGeom prst="rect">
+            <a:avLst/>
+          </a:prstGeom>
+        </p:spPr>
+        <p:style>
+          <a:lnRef idx="2">
+            <a:schemeClr val="accent1">
+              <a:shade val="50000"/>
+            </a:schemeClr>
+          </a:lnRef>
+          <a:fillRef idx="1">
+            <a:schemeClr val="accent1"/>
+          </a:fillRef>
+          <a:effectRef idx="0">
+            <a:schemeClr val="accent1"/>
+          </a:effectRef>
+          <a:fontRef idx="minor">
+            <a:schemeClr val="lt1"/>
+          </a:fontRef>
+        </p:style>
+        <p:txBody>
+          <a:bodyPr rtlCol="0" anchor="ctr"/>
+          <a:lstStyle/>
+          <a:p>
+            <a:pPr algn="ctr"/>
+            <a:r>
+              <a:rPr kumimoji="1" lang="zh-CN" altLang="en-US" smtClean="0"/>
+              <a:t>操作日志</a:t>
+            </a:r>
+            <a:endParaRPr kumimoji="1" lang="zh-CN" altLang="en-US" dirty="0"/>
+          </a:p>
+        </p:txBody>
+      </p:sp>
+      <p:sp>
+        <p:nvSpPr>
+          <p:cNvPr id="67" name="矩形 66"/>
+          <p:cNvSpPr/>
+          <p:nvPr/>
+        </p:nvSpPr>
+        <p:spPr>
+          <a:xfrm>
+            <a:off x="7825326" y="1297220"/>
+            <a:ext cx="2158017" cy="1193800"/>
+          </a:xfrm>
+          <a:prstGeom prst="rect">
+            <a:avLst/>
+          </a:prstGeom>
+        </p:spPr>
+        <p:style>
+          <a:lnRef idx="2">
+            <a:schemeClr val="accent1">
+              <a:shade val="50000"/>
+            </a:schemeClr>
+          </a:lnRef>
+          <a:fillRef idx="1">
+            <a:schemeClr val="accent1"/>
+          </a:fillRef>
+          <a:effectRef idx="0">
+            <a:schemeClr val="accent1"/>
+          </a:effectRef>
+          <a:fontRef idx="minor">
+            <a:schemeClr val="lt1"/>
+          </a:fontRef>
+        </p:style>
+        <p:txBody>
+          <a:bodyPr rtlCol="0" anchor="ctr"/>
+          <a:lstStyle/>
+          <a:p>
+            <a:pPr algn="ctr"/>
+            <a:r>
+              <a:rPr kumimoji="1" lang="zh-CN" altLang="en-US" dirty="0" smtClean="0"/>
+              <a:t>日志数据</a:t>
+            </a:r>
+            <a:endParaRPr kumimoji="1" lang="zh-CN" altLang="en-US" dirty="0"/>
+          </a:p>
+        </p:txBody>
+      </p:sp>
+      <p:cxnSp>
+        <p:nvCxnSpPr>
+          <p:cNvPr id="4" name="直线箭头连接符 3"/>
+          <p:cNvCxnSpPr>
+            <a:stCxn id="66" idx="3"/>
+            <a:endCxn id="67" idx="1"/>
+          </p:cNvCxnSpPr>
+          <p:nvPr/>
+        </p:nvCxnSpPr>
+        <p:spPr>
+          <a:xfrm>
+            <a:off x="4890643" y="1894120"/>
+            <a:ext cx="2934683" cy="0"/>
+          </a:xfrm>
+          <a:prstGeom prst="straightConnector1">
+            <a:avLst/>
+          </a:prstGeom>
+          <a:ln>
+            <a:tailEnd type="triangle"/>
+          </a:ln>
+        </p:spPr>
+        <p:style>
+          <a:lnRef idx="1">
+            <a:schemeClr val="accent1"/>
+          </a:lnRef>
+          <a:fillRef idx="0">
+            <a:schemeClr val="accent1"/>
+          </a:fillRef>
+          <a:effectRef idx="0">
+            <a:schemeClr val="accent1"/>
+          </a:effectRef>
+          <a:fontRef idx="minor">
+            <a:schemeClr val="tx1"/>
+          </a:fontRef>
+        </p:style>
+      </p:cxnSp>
+      <p:sp>
+        <p:nvSpPr>
+          <p:cNvPr id="5" name="文本框 4"/>
+          <p:cNvSpPr txBox="1"/>
+          <p:nvPr/>
+        </p:nvSpPr>
+        <p:spPr>
+          <a:xfrm>
+            <a:off x="5093843" y="1524788"/>
+            <a:ext cx="2649648" cy="369332"/>
+          </a:xfrm>
+          <a:prstGeom prst="rect">
+            <a:avLst/>
+          </a:prstGeom>
+          <a:noFill/>
+        </p:spPr>
+        <p:txBody>
+          <a:bodyPr wrap="square" rtlCol="0">
+            <a:spAutoFit/>
+          </a:bodyPr>
+          <a:lstStyle/>
+          <a:p>
+            <a:r>
+              <a:rPr kumimoji="1" lang="en-US" altLang="zh-CN" dirty="0" smtClean="0"/>
+              <a:t>1</a:t>
+            </a:r>
+            <a:r>
+              <a:rPr kumimoji="1" lang="zh-CN" altLang="en-US" dirty="0" smtClean="0"/>
+              <a:t>              ：              </a:t>
+            </a:r>
+            <a:r>
+              <a:rPr kumimoji="1" lang="en-US" altLang="zh-CN" dirty="0" smtClean="0"/>
+              <a:t>N</a:t>
+            </a:r>
+            <a:endParaRPr kumimoji="1" lang="zh-CN" altLang="en-US" dirty="0"/>
+          </a:p>
+        </p:txBody>
+      </p:sp>
+      <p:sp>
+        <p:nvSpPr>
+          <p:cNvPr id="6" name="文本框 5"/>
+          <p:cNvSpPr txBox="1"/>
+          <p:nvPr/>
+        </p:nvSpPr>
+        <p:spPr>
+          <a:xfrm>
+            <a:off x="2732626" y="2770419"/>
+            <a:ext cx="3672800" cy="1815882"/>
+          </a:xfrm>
+          <a:prstGeom prst="rect">
+            <a:avLst/>
+          </a:prstGeom>
+          <a:noFill/>
+        </p:spPr>
+        <p:txBody>
+          <a:bodyPr wrap="none" rtlCol="0">
+            <a:spAutoFit/>
+          </a:bodyPr>
+          <a:lstStyle/>
+          <a:p>
+            <a:r>
+              <a:rPr kumimoji="1" lang="zh-CN" altLang="en-US" sz="1400" dirty="0" smtClean="0"/>
+              <a:t>日志</a:t>
+            </a:r>
+            <a:r>
+              <a:rPr kumimoji="1" lang="en-US" altLang="zh-CN" sz="1400" dirty="0" smtClean="0"/>
+              <a:t>GUID</a:t>
+            </a:r>
+          </a:p>
+          <a:p>
+            <a:r>
+              <a:rPr kumimoji="1" lang="zh-CN" altLang="en-US" sz="1400" dirty="0" smtClean="0"/>
+              <a:t>操作时间</a:t>
+            </a:r>
+            <a:endParaRPr kumimoji="1" lang="en-US" altLang="zh-CN" sz="1400" dirty="0" smtClean="0"/>
+          </a:p>
+          <a:p>
+            <a:r>
+              <a:rPr kumimoji="1" lang="zh-CN" altLang="en-US" sz="1400" dirty="0" smtClean="0"/>
+              <a:t>操作渠道</a:t>
+            </a:r>
+            <a:r>
+              <a:rPr kumimoji="1" lang="zh-CN" altLang="en-US" sz="1200" dirty="0" smtClean="0"/>
+              <a:t>（如：</a:t>
+            </a:r>
+            <a:r>
+              <a:rPr kumimoji="1" lang="en-US" altLang="zh-CN" sz="1200" dirty="0" err="1" smtClean="0"/>
+              <a:t>tws</a:t>
+            </a:r>
+            <a:r>
+              <a:rPr kumimoji="1" lang="zh-CN" altLang="en-US" sz="1200" dirty="0" smtClean="0"/>
+              <a:t>、</a:t>
+            </a:r>
+            <a:r>
+              <a:rPr kumimoji="1" lang="en-US" altLang="zh-CN" sz="1200" dirty="0" smtClean="0"/>
+              <a:t>governor</a:t>
+            </a:r>
+            <a:r>
+              <a:rPr kumimoji="1" lang="zh-CN" altLang="en-US" sz="1200" dirty="0" smtClean="0"/>
+              <a:t>、</a:t>
+            </a:r>
+            <a:r>
+              <a:rPr kumimoji="1" lang="en-US" altLang="zh-CN" sz="1200" dirty="0" err="1" smtClean="0"/>
+              <a:t>itm</a:t>
+            </a:r>
+            <a:r>
+              <a:rPr kumimoji="1" lang="is-IS" altLang="zh-CN" sz="1200" dirty="0" smtClean="0"/>
+              <a:t>…</a:t>
+            </a:r>
+            <a:r>
+              <a:rPr kumimoji="1" lang="zh-CN" altLang="en-US" sz="1200" dirty="0" smtClean="0"/>
+              <a:t>）</a:t>
+            </a:r>
+            <a:endParaRPr kumimoji="1" lang="en-US" altLang="zh-CN" sz="1200" dirty="0" smtClean="0"/>
+          </a:p>
+          <a:p>
+            <a:r>
+              <a:rPr kumimoji="1" lang="zh-CN" altLang="en-US" sz="1400" dirty="0" smtClean="0"/>
+              <a:t>操作功能</a:t>
+            </a:r>
+            <a:r>
+              <a:rPr kumimoji="1" lang="zh-CN" altLang="en-US" sz="1200" dirty="0" smtClean="0"/>
+              <a:t>（如：新增机构、修改角色、活期存款）</a:t>
+            </a:r>
+            <a:endParaRPr kumimoji="1" lang="en-US" altLang="zh-CN" sz="1200" dirty="0" smtClean="0"/>
+          </a:p>
+          <a:p>
+            <a:r>
+              <a:rPr kumimoji="1" lang="zh-CN" altLang="en-US" sz="1400" dirty="0" smtClean="0"/>
+              <a:t>操作员</a:t>
+            </a:r>
+            <a:endParaRPr kumimoji="1" lang="en-US" altLang="zh-CN" sz="1400" dirty="0" smtClean="0"/>
+          </a:p>
+          <a:p>
+            <a:r>
+              <a:rPr kumimoji="1" lang="zh-CN" altLang="en-US" sz="1400" dirty="0" smtClean="0"/>
+              <a:t>功能描述</a:t>
+            </a:r>
+            <a:endParaRPr kumimoji="1" lang="en-US" altLang="zh-CN" sz="1400" dirty="0" smtClean="0"/>
+          </a:p>
+          <a:p>
+            <a:r>
+              <a:rPr kumimoji="1" lang="zh-CN" altLang="en-US" sz="1400" dirty="0" smtClean="0"/>
+              <a:t>操作对象</a:t>
+            </a:r>
+            <a:r>
+              <a:rPr kumimoji="1" lang="zh-CN" altLang="en-US" sz="1200" dirty="0" smtClean="0"/>
+              <a:t>（如：                 ，                          ）</a:t>
+            </a:r>
+            <a:endParaRPr kumimoji="1" lang="en-US" altLang="zh-CN" sz="1200" dirty="0" smtClean="0"/>
+          </a:p>
+          <a:p>
+            <a:r>
+              <a:rPr kumimoji="1" lang="is-IS" altLang="zh-CN" sz="1400" dirty="0" smtClean="0"/>
+              <a:t>….</a:t>
+            </a:r>
+            <a:endParaRPr kumimoji="1" lang="zh-CN" altLang="en-US" sz="1400" dirty="0"/>
+          </a:p>
+        </p:txBody>
+      </p:sp>
+      <p:sp>
+        <p:nvSpPr>
+          <p:cNvPr id="69" name="文本框 68"/>
+          <p:cNvSpPr txBox="1"/>
+          <p:nvPr/>
+        </p:nvSpPr>
+        <p:spPr>
+          <a:xfrm>
+            <a:off x="7825326" y="2695252"/>
+            <a:ext cx="1162498" cy="954107"/>
+          </a:xfrm>
+          <a:prstGeom prst="rect">
+            <a:avLst/>
+          </a:prstGeom>
+          <a:noFill/>
+        </p:spPr>
+        <p:txBody>
+          <a:bodyPr wrap="none" rtlCol="0">
+            <a:spAutoFit/>
+          </a:bodyPr>
+          <a:lstStyle/>
+          <a:p>
+            <a:r>
+              <a:rPr kumimoji="1" lang="zh-CN" altLang="en-US" sz="1400" dirty="0" smtClean="0"/>
+              <a:t>日志</a:t>
+            </a:r>
+            <a:r>
+              <a:rPr kumimoji="1" lang="en-US" altLang="zh-CN" sz="1400" dirty="0" smtClean="0"/>
+              <a:t>GUID</a:t>
+            </a:r>
+          </a:p>
+          <a:p>
+            <a:r>
+              <a:rPr kumimoji="1" lang="zh-CN" altLang="en-US" sz="1400" dirty="0" smtClean="0"/>
+              <a:t>数据键</a:t>
+            </a:r>
+            <a:r>
+              <a:rPr kumimoji="1" lang="en-US" altLang="zh-CN" sz="1400" dirty="0" smtClean="0"/>
+              <a:t>Key</a:t>
+            </a:r>
+          </a:p>
+          <a:p>
+            <a:r>
+              <a:rPr kumimoji="1" lang="zh-CN" altLang="en-US" sz="1400" dirty="0" smtClean="0"/>
+              <a:t>数据值</a:t>
+            </a:r>
+            <a:r>
+              <a:rPr kumimoji="1" lang="en-US" altLang="zh-CN" sz="1400" dirty="0" smtClean="0"/>
+              <a:t>Value</a:t>
+            </a:r>
+          </a:p>
+          <a:p>
+            <a:r>
+              <a:rPr kumimoji="1" lang="zh-CN" altLang="en-US" sz="1400" dirty="0" smtClean="0"/>
+              <a:t>数据描述</a:t>
+            </a:r>
+            <a:endParaRPr kumimoji="1" lang="en-US" altLang="zh-CN" sz="1400" dirty="0" smtClean="0"/>
+          </a:p>
+        </p:txBody>
+      </p:sp>
+      <p:sp>
+        <p:nvSpPr>
+          <p:cNvPr id="9" name="椭圆 8"/>
+          <p:cNvSpPr/>
+          <p:nvPr/>
+        </p:nvSpPr>
+        <p:spPr>
+          <a:xfrm>
+            <a:off x="849573" y="5079545"/>
+            <a:ext cx="1968500" cy="622535"/>
+          </a:xfrm>
+          <a:prstGeom prst="ellipse">
+            <a:avLst/>
+          </a:prstGeom>
+          <a:solidFill>
+            <a:schemeClr val="tx1"/>
+          </a:solidFill>
+        </p:spPr>
+        <p:style>
+          <a:lnRef idx="2">
+            <a:schemeClr val="accent1">
+              <a:shade val="50000"/>
+            </a:schemeClr>
+          </a:lnRef>
+          <a:fillRef idx="1">
+            <a:schemeClr val="accent1"/>
+          </a:fillRef>
+          <a:effectRef idx="0">
+            <a:schemeClr val="accent1"/>
+          </a:effectRef>
+          <a:fontRef idx="minor">
+            <a:schemeClr val="lt1"/>
+          </a:fontRef>
+        </p:style>
+        <p:txBody>
+          <a:bodyPr rtlCol="0" anchor="ctr"/>
+          <a:lstStyle/>
+          <a:p>
+            <a:pPr algn="ctr"/>
+            <a:r>
+              <a:rPr kumimoji="1" lang="zh-CN" altLang="en-US" sz="1400" dirty="0" smtClean="0"/>
+              <a:t>机构数据</a:t>
+            </a:r>
+            <a:endParaRPr kumimoji="1" lang="zh-CN" altLang="en-US" sz="1400" dirty="0"/>
+          </a:p>
+        </p:txBody>
+      </p:sp>
+      <p:sp>
+        <p:nvSpPr>
+          <p:cNvPr id="71" name="椭圆 70"/>
+          <p:cNvSpPr/>
+          <p:nvPr/>
+        </p:nvSpPr>
+        <p:spPr>
+          <a:xfrm>
+            <a:off x="2732626" y="5504290"/>
+            <a:ext cx="1968500" cy="622535"/>
+          </a:xfrm>
+          <a:prstGeom prst="ellipse">
+            <a:avLst/>
+          </a:prstGeom>
+          <a:solidFill>
+            <a:schemeClr val="tx1"/>
+          </a:solidFill>
+        </p:spPr>
+        <p:style>
+          <a:lnRef idx="2">
+            <a:schemeClr val="accent1">
+              <a:shade val="50000"/>
+            </a:schemeClr>
+          </a:lnRef>
+          <a:fillRef idx="1">
+            <a:schemeClr val="accent1"/>
+          </a:fillRef>
+          <a:effectRef idx="0">
+            <a:schemeClr val="accent1"/>
+          </a:effectRef>
+          <a:fontRef idx="minor">
+            <a:schemeClr val="lt1"/>
+          </a:fontRef>
+        </p:style>
+        <p:txBody>
+          <a:bodyPr rtlCol="0" anchor="ctr"/>
+          <a:lstStyle/>
+          <a:p>
+            <a:pPr algn="ctr"/>
+            <a:r>
+              <a:rPr kumimoji="1" lang="zh-CN" altLang="en-US" sz="1400" dirty="0" smtClean="0"/>
+              <a:t>角色数据</a:t>
+            </a:r>
+            <a:endParaRPr kumimoji="1" lang="zh-CN" altLang="en-US" sz="1400" dirty="0"/>
+          </a:p>
+        </p:txBody>
+      </p:sp>
+      <p:sp>
+        <p:nvSpPr>
+          <p:cNvPr id="72" name="椭圆 71"/>
+          <p:cNvSpPr/>
+          <p:nvPr/>
+        </p:nvSpPr>
+        <p:spPr>
+          <a:xfrm>
+            <a:off x="5373734" y="4966699"/>
+            <a:ext cx="1968500" cy="622535"/>
+          </a:xfrm>
+          <a:prstGeom prst="ellipse">
+            <a:avLst/>
+          </a:prstGeom>
+          <a:solidFill>
+            <a:srgbClr val="00B050"/>
+          </a:solidFill>
+        </p:spPr>
+        <p:style>
+          <a:lnRef idx="2">
+            <a:schemeClr val="accent1">
+              <a:shade val="50000"/>
+            </a:schemeClr>
+          </a:lnRef>
+          <a:fillRef idx="1">
+            <a:schemeClr val="accent1"/>
+          </a:fillRef>
+          <a:effectRef idx="0">
+            <a:schemeClr val="accent1"/>
+          </a:effectRef>
+          <a:fontRef idx="minor">
+            <a:schemeClr val="lt1"/>
+          </a:fontRef>
+        </p:style>
+        <p:txBody>
+          <a:bodyPr rtlCol="0" anchor="ctr"/>
+          <a:lstStyle/>
+          <a:p>
+            <a:pPr algn="ctr"/>
+            <a:r>
+              <a:rPr kumimoji="1" lang="zh-CN" altLang="en-US" sz="1400" dirty="0" smtClean="0"/>
+              <a:t>交易</a:t>
+            </a:r>
+            <a:endParaRPr kumimoji="1" lang="zh-CN" altLang="en-US" sz="1400" dirty="0"/>
+          </a:p>
+        </p:txBody>
+      </p:sp>
+      <p:cxnSp>
+        <p:nvCxnSpPr>
+          <p:cNvPr id="11" name="曲线连接符 10"/>
+          <p:cNvCxnSpPr>
+            <a:stCxn id="15" idx="2"/>
+            <a:endCxn id="9" idx="7"/>
+          </p:cNvCxnSpPr>
+          <p:nvPr/>
+        </p:nvCxnSpPr>
+        <p:spPr>
+          <a:xfrm rot="5400000">
+            <a:off x="3020236" y="3859630"/>
+            <a:ext cx="820640" cy="1801526"/>
+          </a:xfrm>
+          <a:prstGeom prst="curvedConnector3">
+            <a:avLst>
+              <a:gd name="adj1" fmla="val 50000"/>
+            </a:avLst>
+          </a:prstGeom>
+          <a:ln>
+            <a:tailEnd type="triangle"/>
+          </a:ln>
+        </p:spPr>
+        <p:style>
+          <a:lnRef idx="1">
+            <a:schemeClr val="accent1"/>
+          </a:lnRef>
+          <a:fillRef idx="0">
+            <a:schemeClr val="accent1"/>
+          </a:fillRef>
+          <a:effectRef idx="0">
+            <a:schemeClr val="accent1"/>
+          </a:effectRef>
+          <a:fontRef idx="minor">
+            <a:schemeClr val="tx1"/>
+          </a:fontRef>
+        </p:style>
+      </p:cxnSp>
+      <p:sp>
+        <p:nvSpPr>
+          <p:cNvPr id="15" name="矩形 14"/>
+          <p:cNvSpPr/>
+          <p:nvPr/>
+        </p:nvSpPr>
+        <p:spPr>
+          <a:xfrm>
+            <a:off x="3909568" y="4073074"/>
+            <a:ext cx="843501" cy="276999"/>
+          </a:xfrm>
+          <a:prstGeom prst="rect">
+            <a:avLst/>
+          </a:prstGeom>
+        </p:spPr>
+        <p:txBody>
+          <a:bodyPr wrap="none">
+            <a:spAutoFit/>
+          </a:bodyPr>
+          <a:lstStyle/>
+          <a:p>
+            <a:r>
+              <a:rPr kumimoji="1" lang="zh-CN" altLang="en-US" sz="1200" dirty="0"/>
+              <a:t>数据</a:t>
+            </a:r>
+            <a:r>
+              <a:rPr kumimoji="1" lang="en-US" altLang="zh-CN" sz="1200" dirty="0"/>
+              <a:t>GUID</a:t>
+            </a:r>
+            <a:endParaRPr lang="zh-CN" altLang="en-US" sz="1200" dirty="0"/>
+          </a:p>
+        </p:txBody>
+      </p:sp>
+      <p:sp>
+        <p:nvSpPr>
+          <p:cNvPr id="80" name="矩形 79"/>
+          <p:cNvSpPr/>
+          <p:nvPr/>
+        </p:nvSpPr>
+        <p:spPr>
+          <a:xfrm>
+            <a:off x="4765286" y="4069823"/>
+            <a:ext cx="954107" cy="276999"/>
+          </a:xfrm>
+          <a:prstGeom prst="rect">
+            <a:avLst/>
+          </a:prstGeom>
+        </p:spPr>
+        <p:txBody>
+          <a:bodyPr wrap="none">
+            <a:spAutoFit/>
+          </a:bodyPr>
+          <a:lstStyle/>
+          <a:p>
+            <a:r>
+              <a:rPr kumimoji="1" lang="zh-CN" altLang="en-US" sz="1200" dirty="0" smtClean="0"/>
+              <a:t>交易流水号</a:t>
+            </a:r>
+            <a:endParaRPr lang="zh-CN" altLang="en-US" sz="1200" dirty="0"/>
+          </a:p>
+        </p:txBody>
+      </p:sp>
+      <p:cxnSp>
+        <p:nvCxnSpPr>
+          <p:cNvPr id="82" name="曲线连接符 81"/>
+          <p:cNvCxnSpPr>
+            <a:stCxn id="80" idx="2"/>
+            <a:endCxn id="72" idx="1"/>
+          </p:cNvCxnSpPr>
+          <p:nvPr/>
+        </p:nvCxnSpPr>
+        <p:spPr>
+          <a:xfrm rot="16200000" flipH="1">
+            <a:off x="5096655" y="4492507"/>
+            <a:ext cx="711045" cy="419674"/>
+          </a:xfrm>
+          <a:prstGeom prst="curvedConnector3">
+            <a:avLst>
+              <a:gd name="adj1" fmla="val 50000"/>
+            </a:avLst>
+          </a:prstGeom>
+          <a:ln>
+            <a:tailEnd type="triangle"/>
+          </a:ln>
+        </p:spPr>
+        <p:style>
+          <a:lnRef idx="1">
+            <a:schemeClr val="accent1"/>
+          </a:lnRef>
+          <a:fillRef idx="0">
+            <a:schemeClr val="accent1"/>
+          </a:fillRef>
+          <a:effectRef idx="0">
+            <a:schemeClr val="accent1"/>
+          </a:effectRef>
+          <a:fontRef idx="minor">
+            <a:schemeClr val="tx1"/>
+          </a:fontRef>
+        </p:style>
+      </p:cxnSp>
+      <p:cxnSp>
+        <p:nvCxnSpPr>
+          <p:cNvPr id="84" name="曲线连接符 83"/>
+          <p:cNvCxnSpPr>
+            <a:stCxn id="15" idx="2"/>
+            <a:endCxn id="71" idx="0"/>
+          </p:cNvCxnSpPr>
+          <p:nvPr/>
+        </p:nvCxnSpPr>
+        <p:spPr>
+          <a:xfrm rot="5400000">
+            <a:off x="3446990" y="4619960"/>
+            <a:ext cx="1154217" cy="614443"/>
+          </a:xfrm>
+          <a:prstGeom prst="curvedConnector3">
+            <a:avLst>
+              <a:gd name="adj1" fmla="val 50000"/>
+            </a:avLst>
+          </a:prstGeom>
+          <a:ln>
+            <a:tailEnd type="triangle"/>
+          </a:ln>
+        </p:spPr>
+        <p:style>
+          <a:lnRef idx="1">
+            <a:schemeClr val="accent1"/>
+          </a:lnRef>
+          <a:fillRef idx="0">
+            <a:schemeClr val="accent1"/>
+          </a:fillRef>
+          <a:effectRef idx="0">
+            <a:schemeClr val="accent1"/>
+          </a:effectRef>
+          <a:fontRef idx="minor">
+            <a:schemeClr val="tx1"/>
+          </a:fontRef>
+        </p:style>
+      </p:cxnSp>
+      <p:sp>
+        <p:nvSpPr>
+          <p:cNvPr id="96" name="文本框 95"/>
+          <p:cNvSpPr txBox="1"/>
+          <p:nvPr/>
+        </p:nvSpPr>
+        <p:spPr>
+          <a:xfrm>
+            <a:off x="3404585" y="6167920"/>
+            <a:ext cx="2143925" cy="738664"/>
+          </a:xfrm>
+          <a:prstGeom prst="rect">
+            <a:avLst/>
+          </a:prstGeom>
+          <a:noFill/>
+        </p:spPr>
+        <p:txBody>
+          <a:bodyPr wrap="square" rtlCol="0">
+            <a:spAutoFit/>
+          </a:bodyPr>
+          <a:lstStyle/>
+          <a:p>
+            <a:r>
+              <a:rPr kumimoji="1" lang="is-IS" altLang="zh-CN" sz="1400" dirty="0" smtClean="0"/>
+              <a:t>…</a:t>
+            </a:r>
+            <a:endParaRPr kumimoji="1" lang="en-US" altLang="zh-CN" sz="1400" dirty="0" smtClean="0"/>
+          </a:p>
+          <a:p>
+            <a:r>
+              <a:rPr kumimoji="1" lang="zh-CN" altLang="en-US" sz="1400" dirty="0" smtClean="0"/>
+              <a:t>角色名称：总行综合柜员</a:t>
+            </a:r>
+            <a:endParaRPr kumimoji="1" lang="en-US" altLang="zh-CN" sz="1400" dirty="0" smtClean="0"/>
+          </a:p>
+          <a:p>
+            <a:r>
+              <a:rPr kumimoji="1" lang="is-IS" altLang="zh-CN" sz="1400" dirty="0" smtClean="0"/>
+              <a:t>…</a:t>
+            </a:r>
+            <a:endParaRPr kumimoji="1" lang="en-US" altLang="zh-CN" sz="1400" dirty="0" smtClean="0"/>
+          </a:p>
+        </p:txBody>
+      </p:sp>
+      <p:cxnSp>
+        <p:nvCxnSpPr>
+          <p:cNvPr id="38" name="曲线连接符 37"/>
+          <p:cNvCxnSpPr>
+            <a:stCxn id="96" idx="3"/>
+            <a:endCxn id="69" idx="2"/>
+          </p:cNvCxnSpPr>
+          <p:nvPr/>
+        </p:nvCxnSpPr>
+        <p:spPr>
+          <a:xfrm flipV="1">
+            <a:off x="5548510" y="3649359"/>
+            <a:ext cx="2858065" cy="2887893"/>
+          </a:xfrm>
+          <a:prstGeom prst="curvedConnector2">
+            <a:avLst/>
+          </a:prstGeom>
+          <a:ln>
+            <a:tailEnd type="triangle"/>
+          </a:ln>
+        </p:spPr>
+        <p:style>
+          <a:lnRef idx="1">
+            <a:schemeClr val="accent1"/>
+          </a:lnRef>
+          <a:fillRef idx="0">
+            <a:schemeClr val="accent1"/>
+          </a:fillRef>
+          <a:effectRef idx="0">
+            <a:schemeClr val="accent1"/>
+          </a:effectRef>
+          <a:fontRef idx="minor">
+            <a:schemeClr val="tx1"/>
+          </a:fontRef>
+        </p:style>
+      </p:cxnSp>
+      <p:sp>
+        <p:nvSpPr>
+          <p:cNvPr id="43" name="文本框 42"/>
+          <p:cNvSpPr txBox="1"/>
+          <p:nvPr/>
+        </p:nvSpPr>
+        <p:spPr>
+          <a:xfrm>
+            <a:off x="6331734" y="6123841"/>
+            <a:ext cx="1630575" cy="646331"/>
+          </a:xfrm>
+          <a:prstGeom prst="rect">
+            <a:avLst/>
+          </a:prstGeom>
+          <a:noFill/>
+        </p:spPr>
+        <p:txBody>
+          <a:bodyPr wrap="none" rtlCol="0">
+            <a:spAutoFit/>
+          </a:bodyPr>
+          <a:lstStyle/>
+          <a:p>
+            <a:r>
+              <a:rPr kumimoji="1" lang="zh-CN" altLang="en-US" sz="1200" smtClean="0"/>
+              <a:t>记录为关键</a:t>
+            </a:r>
+            <a:r>
+              <a:rPr kumimoji="1" lang="zh-CN" altLang="en-US" sz="1200" dirty="0" smtClean="0"/>
+              <a:t>数据</a:t>
+            </a:r>
+            <a:endParaRPr kumimoji="1" lang="en-US" altLang="zh-CN" sz="1200" dirty="0" smtClean="0"/>
+          </a:p>
+          <a:p>
+            <a:r>
+              <a:rPr kumimoji="1" lang="en-US" altLang="zh-CN" sz="1200" dirty="0" smtClean="0"/>
+              <a:t>Key=</a:t>
+            </a:r>
+            <a:r>
+              <a:rPr kumimoji="1" lang="zh-CN" altLang="en-US" sz="1200" dirty="0" smtClean="0"/>
+              <a:t>角色名称</a:t>
+            </a:r>
+            <a:endParaRPr kumimoji="1" lang="en-US" altLang="zh-CN" sz="1200" dirty="0" smtClean="0"/>
+          </a:p>
+          <a:p>
+            <a:r>
+              <a:rPr kumimoji="1" lang="en-US" altLang="zh-CN" sz="1200" dirty="0" smtClean="0"/>
+              <a:t>Value</a:t>
+            </a:r>
+            <a:r>
+              <a:rPr kumimoji="1" lang="zh-CN" altLang="en-US" sz="1200" dirty="0" smtClean="0"/>
+              <a:t>＝总行综合柜员</a:t>
+            </a:r>
+            <a:endParaRPr kumimoji="1" lang="en-US" altLang="zh-CN" sz="1200" dirty="0" smtClean="0"/>
+          </a:p>
+        </p:txBody>
+      </p:sp>
+    </p:spTree>
+    <p:extLst>
+      <p:ext uri="{BB962C8B-B14F-4D97-AF65-F5344CB8AC3E}">
+        <p14:creationId xmlns:p14="http://schemas.microsoft.com/office/powerpoint/2010/main" val="2124577849"/>
       </p:ext>
     </p:extLst>
   </p:cSld>
